--- a/slides/11401/Introduction to Computer/CH12.pptx
+++ b/slides/11401/Introduction to Computer/CH12.pptx
@@ -281,7 +281,7 @@
   </p:defaultTextStyle>
   <p:extLst>
     <p:ext uri="{EFAFB233-063F-42B5-8137-9DF3F51BA10A}">
-      <p15:sldGuideLst xmlns:p15="http://schemas.microsoft.com/office/powerpoint/2012/main" xmlns="">
+      <p15:sldGuideLst xmlns="" xmlns:p15="http://schemas.microsoft.com/office/powerpoint/2012/main">
         <p15:guide id="1" orient="horz" pos="2160">
           <p15:clr>
             <a:srgbClr val="A4A3A4"/>
@@ -1863,27 +1863,14 @@
 </file>
 
 <file path=ppt/diagrams/colors3.xml><?xml version="1.0" encoding="utf-8"?>
-<dgm:colorsDef xmlns:dgm="http://schemas.openxmlformats.org/drawingml/2006/diagram" xmlns:a="http://schemas.openxmlformats.org/drawingml/2006/main" uniqueId="urn:microsoft.com/office/officeart/2005/8/colors/colorful2">
+<dgm:colorsDef xmlns:dgm="http://schemas.openxmlformats.org/drawingml/2006/diagram" xmlns:a="http://schemas.openxmlformats.org/drawingml/2006/main" uniqueId="urn:microsoft.com/office/officeart/2005/8/colors/colorful4">
   <dgm:title val=""/>
   <dgm:desc val=""/>
   <dgm:catLst>
-    <dgm:cat type="colorful" pri="10200"/>
+    <dgm:cat type="colorful" pri="10400"/>
   </dgm:catLst>
   <dgm:styleLbl name="node0">
     <dgm:fillClrLst meth="repeat">
-      <a:schemeClr val="accent1"/>
-    </dgm:fillClrLst>
-    <dgm:linClrLst meth="repeat">
-      <a:schemeClr val="lt1"/>
-    </dgm:linClrLst>
-    <dgm:effectClrLst/>
-    <dgm:txLinClrLst/>
-    <dgm:txFillClrLst/>
-    <dgm:txEffectClrLst/>
-  </dgm:styleLbl>
-  <dgm:styleLbl name="node1">
-    <dgm:fillClrLst>
-      <a:schemeClr val="accent2"/>
       <a:schemeClr val="accent3"/>
     </dgm:fillClrLst>
     <dgm:linClrLst meth="repeat">
@@ -1894,24 +1881,10 @@
     <dgm:txFillClrLst/>
     <dgm:txEffectClrLst/>
   </dgm:styleLbl>
-  <dgm:styleLbl name="alignNode1">
+  <dgm:styleLbl name="node1">
     <dgm:fillClrLst>
-      <a:schemeClr val="accent2"/>
-      <a:schemeClr val="accent3"/>
-    </dgm:fillClrLst>
-    <dgm:linClrLst>
-      <a:schemeClr val="accent2"/>
-      <a:schemeClr val="accent3"/>
-    </dgm:linClrLst>
-    <dgm:effectClrLst/>
-    <dgm:txLinClrLst/>
-    <dgm:txFillClrLst/>
-    <dgm:txEffectClrLst/>
-  </dgm:styleLbl>
-  <dgm:styleLbl name="lnNode1">
-    <dgm:fillClrLst>
-      <a:schemeClr val="accent2"/>
-      <a:schemeClr val="accent3"/>
+      <a:schemeClr val="accent4"/>
+      <a:schemeClr val="accent5"/>
     </dgm:fillClrLst>
     <dgm:linClrLst meth="repeat">
       <a:schemeClr val="lt1"/>
@@ -1921,12 +1894,39 @@
     <dgm:txFillClrLst/>
     <dgm:txEffectClrLst/>
   </dgm:styleLbl>
+  <dgm:styleLbl name="alignNode1">
+    <dgm:fillClrLst>
+      <a:schemeClr val="accent4"/>
+      <a:schemeClr val="accent5"/>
+    </dgm:fillClrLst>
+    <dgm:linClrLst>
+      <a:schemeClr val="accent4"/>
+      <a:schemeClr val="accent5"/>
+    </dgm:linClrLst>
+    <dgm:effectClrLst/>
+    <dgm:txLinClrLst/>
+    <dgm:txFillClrLst/>
+    <dgm:txEffectClrLst/>
+  </dgm:styleLbl>
+  <dgm:styleLbl name="lnNode1">
+    <dgm:fillClrLst>
+      <a:schemeClr val="accent4"/>
+      <a:schemeClr val="accent5"/>
+    </dgm:fillClrLst>
+    <dgm:linClrLst meth="repeat">
+      <a:schemeClr val="lt1"/>
+    </dgm:linClrLst>
+    <dgm:effectClrLst/>
+    <dgm:txLinClrLst/>
+    <dgm:txFillClrLst/>
+    <dgm:txEffectClrLst/>
+  </dgm:styleLbl>
   <dgm:styleLbl name="vennNode1">
     <dgm:fillClrLst>
-      <a:schemeClr val="accent2">
+      <a:schemeClr val="accent4">
         <a:alpha val="50000"/>
       </a:schemeClr>
-      <a:schemeClr val="accent3">
+      <a:schemeClr val="accent5">
         <a:alpha val="50000"/>
       </a:schemeClr>
     </dgm:fillClrLst>
@@ -1940,30 +1940,6 @@
   </dgm:styleLbl>
   <dgm:styleLbl name="node2">
     <dgm:fillClrLst>
-      <a:schemeClr val="accent3"/>
-    </dgm:fillClrLst>
-    <dgm:linClrLst meth="repeat">
-      <a:schemeClr val="lt1"/>
-    </dgm:linClrLst>
-    <dgm:effectClrLst/>
-    <dgm:txLinClrLst/>
-    <dgm:txFillClrLst/>
-    <dgm:txEffectClrLst/>
-  </dgm:styleLbl>
-  <dgm:styleLbl name="node3">
-    <dgm:fillClrLst>
-      <a:schemeClr val="accent4"/>
-    </dgm:fillClrLst>
-    <dgm:linClrLst meth="repeat">
-      <a:schemeClr val="lt1"/>
-    </dgm:linClrLst>
-    <dgm:effectClrLst/>
-    <dgm:txLinClrLst/>
-    <dgm:txFillClrLst/>
-    <dgm:txEffectClrLst/>
-  </dgm:styleLbl>
-  <dgm:styleLbl name="node4">
-    <dgm:fillClrLst>
       <a:schemeClr val="accent5"/>
     </dgm:fillClrLst>
     <dgm:linClrLst meth="repeat">
@@ -1974,12 +1950,36 @@
     <dgm:txFillClrLst/>
     <dgm:txEffectClrLst/>
   </dgm:styleLbl>
+  <dgm:styleLbl name="node3">
+    <dgm:fillClrLst>
+      <a:schemeClr val="accent6"/>
+    </dgm:fillClrLst>
+    <dgm:linClrLst meth="repeat">
+      <a:schemeClr val="lt1"/>
+    </dgm:linClrLst>
+    <dgm:effectClrLst/>
+    <dgm:txLinClrLst/>
+    <dgm:txFillClrLst/>
+    <dgm:txEffectClrLst/>
+  </dgm:styleLbl>
+  <dgm:styleLbl name="node4">
+    <dgm:fillClrLst>
+      <a:schemeClr val="accent1"/>
+    </dgm:fillClrLst>
+    <dgm:linClrLst meth="repeat">
+      <a:schemeClr val="lt1"/>
+    </dgm:linClrLst>
+    <dgm:effectClrLst/>
+    <dgm:txLinClrLst/>
+    <dgm:txFillClrLst/>
+    <dgm:txEffectClrLst/>
+  </dgm:styleLbl>
   <dgm:styleLbl name="fgImgPlace1">
     <dgm:fillClrLst>
-      <a:schemeClr val="accent2">
+      <a:schemeClr val="accent4">
         <a:tint val="50000"/>
       </a:schemeClr>
-      <a:schemeClr val="accent3">
+      <a:schemeClr val="accent5">
         <a:tint val="50000"/>
       </a:schemeClr>
     </dgm:fillClrLst>
@@ -1995,10 +1995,10 @@
   </dgm:styleLbl>
   <dgm:styleLbl name="alignImgPlace1">
     <dgm:fillClrLst>
-      <a:schemeClr val="accent2">
+      <a:schemeClr val="accent4">
         <a:tint val="50000"/>
       </a:schemeClr>
-      <a:schemeClr val="accent3">
+      <a:schemeClr val="accent5">
         <a:tint val="20000"/>
       </a:schemeClr>
     </dgm:fillClrLst>
@@ -2014,10 +2014,10 @@
   </dgm:styleLbl>
   <dgm:styleLbl name="bgImgPlace1">
     <dgm:fillClrLst>
-      <a:schemeClr val="accent2">
+      <a:schemeClr val="accent4">
         <a:tint val="50000"/>
       </a:schemeClr>
-      <a:schemeClr val="accent3">
+      <a:schemeClr val="accent5">
         <a:tint val="20000"/>
       </a:schemeClr>
     </dgm:fillClrLst>
@@ -2033,118 +2033,7 @@
   </dgm:styleLbl>
   <dgm:styleLbl name="sibTrans2D1">
     <dgm:fillClrLst>
-      <a:schemeClr val="accent2"/>
-      <a:schemeClr val="accent3"/>
-    </dgm:fillClrLst>
-    <dgm:linClrLst meth="repeat">
-      <a:schemeClr val="lt1"/>
-    </dgm:linClrLst>
-    <dgm:effectClrLst/>
-    <dgm:txLinClrLst/>
-    <dgm:txFillClrLst/>
-    <dgm:txEffectClrLst/>
-  </dgm:styleLbl>
-  <dgm:styleLbl name="fgSibTrans2D1">
-    <dgm:fillClrLst>
-      <a:schemeClr val="accent2"/>
-      <a:schemeClr val="accent3"/>
-    </dgm:fillClrLst>
-    <dgm:linClrLst meth="repeat">
-      <a:schemeClr val="lt1"/>
-    </dgm:linClrLst>
-    <dgm:effectClrLst/>
-    <dgm:txLinClrLst/>
-    <dgm:txFillClrLst meth="repeat">
-      <a:schemeClr val="lt1"/>
-    </dgm:txFillClrLst>
-    <dgm:txEffectClrLst/>
-  </dgm:styleLbl>
-  <dgm:styleLbl name="bgSibTrans2D1">
-    <dgm:fillClrLst>
-      <a:schemeClr val="accent2"/>
-      <a:schemeClr val="accent3"/>
-    </dgm:fillClrLst>
-    <dgm:linClrLst meth="repeat">
-      <a:schemeClr val="lt1"/>
-    </dgm:linClrLst>
-    <dgm:effectClrLst/>
-    <dgm:txLinClrLst/>
-    <dgm:txFillClrLst meth="repeat">
-      <a:schemeClr val="lt1"/>
-    </dgm:txFillClrLst>
-    <dgm:txEffectClrLst/>
-  </dgm:styleLbl>
-  <dgm:styleLbl name="sibTrans1D1">
-    <dgm:fillClrLst/>
-    <dgm:linClrLst>
-      <a:schemeClr val="accent2"/>
-      <a:schemeClr val="accent3"/>
-    </dgm:linClrLst>
-    <dgm:effectClrLst/>
-    <dgm:txLinClrLst/>
-    <dgm:txFillClrLst meth="repeat">
-      <a:schemeClr val="tx1"/>
-    </dgm:txFillClrLst>
-    <dgm:txEffectClrLst/>
-  </dgm:styleLbl>
-  <dgm:styleLbl name="callout">
-    <dgm:fillClrLst meth="repeat">
-      <a:schemeClr val="accent2"/>
-    </dgm:fillClrLst>
-    <dgm:linClrLst meth="repeat">
-      <a:schemeClr val="accent2">
-        <a:tint val="50000"/>
-      </a:schemeClr>
-    </dgm:linClrLst>
-    <dgm:effectClrLst/>
-    <dgm:txLinClrLst/>
-    <dgm:txFillClrLst meth="repeat">
-      <a:schemeClr val="tx1"/>
-    </dgm:txFillClrLst>
-    <dgm:txEffectClrLst/>
-  </dgm:styleLbl>
-  <dgm:styleLbl name="asst0">
-    <dgm:fillClrLst meth="repeat">
-      <a:schemeClr val="accent2"/>
-    </dgm:fillClrLst>
-    <dgm:linClrLst meth="repeat">
-      <a:schemeClr val="lt1">
-        <a:shade val="80000"/>
-      </a:schemeClr>
-    </dgm:linClrLst>
-    <dgm:effectClrLst/>
-    <dgm:txLinClrLst/>
-    <dgm:txFillClrLst/>
-    <dgm:txEffectClrLst/>
-  </dgm:styleLbl>
-  <dgm:styleLbl name="asst1">
-    <dgm:fillClrLst meth="repeat">
-      <a:schemeClr val="accent3"/>
-    </dgm:fillClrLst>
-    <dgm:linClrLst meth="repeat">
-      <a:schemeClr val="lt1">
-        <a:shade val="80000"/>
-      </a:schemeClr>
-    </dgm:linClrLst>
-    <dgm:effectClrLst/>
-    <dgm:txLinClrLst/>
-    <dgm:txFillClrLst/>
-    <dgm:txEffectClrLst/>
-  </dgm:styleLbl>
-  <dgm:styleLbl name="asst2">
-    <dgm:fillClrLst>
       <a:schemeClr val="accent4"/>
-    </dgm:fillClrLst>
-    <dgm:linClrLst meth="repeat">
-      <a:schemeClr val="lt1"/>
-    </dgm:linClrLst>
-    <dgm:effectClrLst/>
-    <dgm:txLinClrLst/>
-    <dgm:txFillClrLst/>
-    <dgm:txEffectClrLst/>
-  </dgm:styleLbl>
-  <dgm:styleLbl name="asst3">
-    <dgm:fillClrLst>
       <a:schemeClr val="accent5"/>
     </dgm:fillClrLst>
     <dgm:linClrLst meth="repeat">
@@ -2155,58 +2044,9 @@
     <dgm:txFillClrLst/>
     <dgm:txEffectClrLst/>
   </dgm:styleLbl>
-  <dgm:styleLbl name="asst4">
+  <dgm:styleLbl name="fgSibTrans2D1">
     <dgm:fillClrLst>
-      <a:schemeClr val="accent6"/>
-    </dgm:fillClrLst>
-    <dgm:linClrLst meth="repeat">
-      <a:schemeClr val="lt1"/>
-    </dgm:linClrLst>
-    <dgm:effectClrLst/>
-    <dgm:txLinClrLst/>
-    <dgm:txFillClrLst/>
-    <dgm:txEffectClrLst/>
-  </dgm:styleLbl>
-  <dgm:styleLbl name="parChTrans2D1">
-    <dgm:fillClrLst meth="repeat">
-      <a:schemeClr val="accent2"/>
-    </dgm:fillClrLst>
-    <dgm:linClrLst meth="repeat">
-      <a:schemeClr val="lt1"/>
-    </dgm:linClrLst>
-    <dgm:effectClrLst/>
-    <dgm:txLinClrLst/>
-    <dgm:txFillClrLst meth="repeat">
-      <a:schemeClr val="lt1"/>
-    </dgm:txFillClrLst>
-    <dgm:txEffectClrLst/>
-  </dgm:styleLbl>
-  <dgm:styleLbl name="parChTrans2D2">
-    <dgm:fillClrLst meth="repeat">
-      <a:schemeClr val="accent3"/>
-    </dgm:fillClrLst>
-    <dgm:linClrLst meth="repeat">
-      <a:schemeClr val="lt1"/>
-    </dgm:linClrLst>
-    <dgm:effectClrLst/>
-    <dgm:txLinClrLst/>
-    <dgm:txFillClrLst/>
-    <dgm:txEffectClrLst/>
-  </dgm:styleLbl>
-  <dgm:styleLbl name="parChTrans2D3">
-    <dgm:fillClrLst meth="repeat">
       <a:schemeClr val="accent4"/>
-    </dgm:fillClrLst>
-    <dgm:linClrLst meth="repeat">
-      <a:schemeClr val="lt1"/>
-    </dgm:linClrLst>
-    <dgm:effectClrLst/>
-    <dgm:txLinClrLst/>
-    <dgm:txFillClrLst/>
-    <dgm:txEffectClrLst/>
-  </dgm:styleLbl>
-  <dgm:styleLbl name="parChTrans2D4">
-    <dgm:fillClrLst meth="repeat">
       <a:schemeClr val="accent5"/>
     </dgm:fillClrLst>
     <dgm:linClrLst meth="repeat">
@@ -2219,12 +2059,26 @@
     </dgm:txFillClrLst>
     <dgm:txEffectClrLst/>
   </dgm:styleLbl>
-  <dgm:styleLbl name="parChTrans1D1">
-    <dgm:fillClrLst meth="repeat">
-      <a:schemeClr val="accent2"/>
+  <dgm:styleLbl name="bgSibTrans2D1">
+    <dgm:fillClrLst>
+      <a:schemeClr val="accent4"/>
+      <a:schemeClr val="accent5"/>
     </dgm:fillClrLst>
     <dgm:linClrLst meth="repeat">
-      <a:schemeClr val="accent2"/>
+      <a:schemeClr val="lt1"/>
+    </dgm:linClrLst>
+    <dgm:effectClrLst/>
+    <dgm:txLinClrLst/>
+    <dgm:txFillClrLst meth="repeat">
+      <a:schemeClr val="lt1"/>
+    </dgm:txFillClrLst>
+    <dgm:txEffectClrLst/>
+  </dgm:styleLbl>
+  <dgm:styleLbl name="sibTrans1D1">
+    <dgm:fillClrLst/>
+    <dgm:linClrLst>
+      <a:schemeClr val="accent4"/>
+      <a:schemeClr val="accent5"/>
     </dgm:linClrLst>
     <dgm:effectClrLst/>
     <dgm:txLinClrLst/>
@@ -2233,14 +2087,14 @@
     </dgm:txFillClrLst>
     <dgm:txEffectClrLst/>
   </dgm:styleLbl>
-  <dgm:styleLbl name="parChTrans1D2">
+  <dgm:styleLbl name="callout">
     <dgm:fillClrLst meth="repeat">
-      <a:schemeClr val="accent2">
-        <a:tint val="90000"/>
-      </a:schemeClr>
+      <a:schemeClr val="accent4"/>
     </dgm:fillClrLst>
     <dgm:linClrLst meth="repeat">
-      <a:schemeClr val="accent3"/>
+      <a:schemeClr val="accent4">
+        <a:tint val="50000"/>
+      </a:schemeClr>
     </dgm:linClrLst>
     <dgm:effectClrLst/>
     <dgm:txLinClrLst/>
@@ -2249,11 +2103,125 @@
     </dgm:txFillClrLst>
     <dgm:txEffectClrLst/>
   </dgm:styleLbl>
-  <dgm:styleLbl name="parChTrans1D3">
+  <dgm:styleLbl name="asst0">
     <dgm:fillClrLst meth="repeat">
-      <a:schemeClr val="accent2">
-        <a:tint val="70000"/>
+      <a:schemeClr val="accent4"/>
+    </dgm:fillClrLst>
+    <dgm:linClrLst meth="repeat">
+      <a:schemeClr val="lt1">
+        <a:shade val="80000"/>
       </a:schemeClr>
+    </dgm:linClrLst>
+    <dgm:effectClrLst/>
+    <dgm:txLinClrLst/>
+    <dgm:txFillClrLst/>
+    <dgm:txEffectClrLst/>
+  </dgm:styleLbl>
+  <dgm:styleLbl name="asst1">
+    <dgm:fillClrLst meth="repeat">
+      <a:schemeClr val="accent5"/>
+    </dgm:fillClrLst>
+    <dgm:linClrLst meth="repeat">
+      <a:schemeClr val="lt1">
+        <a:shade val="80000"/>
+      </a:schemeClr>
+    </dgm:linClrLst>
+    <dgm:effectClrLst/>
+    <dgm:txLinClrLst/>
+    <dgm:txFillClrLst/>
+    <dgm:txEffectClrLst/>
+  </dgm:styleLbl>
+  <dgm:styleLbl name="asst2">
+    <dgm:fillClrLst>
+      <a:schemeClr val="accent6"/>
+    </dgm:fillClrLst>
+    <dgm:linClrLst meth="repeat">
+      <a:schemeClr val="lt1"/>
+    </dgm:linClrLst>
+    <dgm:effectClrLst/>
+    <dgm:txLinClrLst/>
+    <dgm:txFillClrLst/>
+    <dgm:txEffectClrLst/>
+  </dgm:styleLbl>
+  <dgm:styleLbl name="asst3">
+    <dgm:fillClrLst>
+      <a:schemeClr val="accent1"/>
+    </dgm:fillClrLst>
+    <dgm:linClrLst meth="repeat">
+      <a:schemeClr val="lt1"/>
+    </dgm:linClrLst>
+    <dgm:effectClrLst/>
+    <dgm:txLinClrLst/>
+    <dgm:txFillClrLst/>
+    <dgm:txEffectClrLst/>
+  </dgm:styleLbl>
+  <dgm:styleLbl name="asst4">
+    <dgm:fillClrLst>
+      <a:schemeClr val="accent2"/>
+    </dgm:fillClrLst>
+    <dgm:linClrLst meth="repeat">
+      <a:schemeClr val="lt1"/>
+    </dgm:linClrLst>
+    <dgm:effectClrLst/>
+    <dgm:txLinClrLst/>
+    <dgm:txFillClrLst/>
+    <dgm:txEffectClrLst/>
+  </dgm:styleLbl>
+  <dgm:styleLbl name="parChTrans2D1">
+    <dgm:fillClrLst meth="repeat">
+      <a:schemeClr val="accent4"/>
+    </dgm:fillClrLst>
+    <dgm:linClrLst meth="repeat">
+      <a:schemeClr val="lt1"/>
+    </dgm:linClrLst>
+    <dgm:effectClrLst/>
+    <dgm:txLinClrLst/>
+    <dgm:txFillClrLst meth="repeat">
+      <a:schemeClr val="lt1"/>
+    </dgm:txFillClrLst>
+    <dgm:txEffectClrLst/>
+  </dgm:styleLbl>
+  <dgm:styleLbl name="parChTrans2D2">
+    <dgm:fillClrLst meth="repeat">
+      <a:schemeClr val="accent5"/>
+    </dgm:fillClrLst>
+    <dgm:linClrLst meth="repeat">
+      <a:schemeClr val="lt1"/>
+    </dgm:linClrLst>
+    <dgm:effectClrLst/>
+    <dgm:txLinClrLst/>
+    <dgm:txFillClrLst/>
+    <dgm:txEffectClrLst/>
+  </dgm:styleLbl>
+  <dgm:styleLbl name="parChTrans2D3">
+    <dgm:fillClrLst meth="repeat">
+      <a:schemeClr val="accent5"/>
+    </dgm:fillClrLst>
+    <dgm:linClrLst meth="repeat">
+      <a:schemeClr val="lt1"/>
+    </dgm:linClrLst>
+    <dgm:effectClrLst/>
+    <dgm:txLinClrLst/>
+    <dgm:txFillClrLst/>
+    <dgm:txEffectClrLst/>
+  </dgm:styleLbl>
+  <dgm:styleLbl name="parChTrans2D4">
+    <dgm:fillClrLst meth="repeat">
+      <a:schemeClr val="accent6"/>
+    </dgm:fillClrLst>
+    <dgm:linClrLst meth="repeat">
+      <a:schemeClr val="lt1"/>
+    </dgm:linClrLst>
+    <dgm:effectClrLst/>
+    <dgm:txLinClrLst/>
+    <dgm:txFillClrLst meth="repeat">
+      <a:schemeClr val="lt1"/>
+    </dgm:txFillClrLst>
+    <dgm:txEffectClrLst/>
+  </dgm:styleLbl>
+  <dgm:styleLbl name="parChTrans1D1">
+    <dgm:fillClrLst meth="repeat">
+      <a:schemeClr val="accent4"/>
     </dgm:fillClrLst>
     <dgm:linClrLst meth="repeat">
       <a:schemeClr val="accent4"/>
@@ -2265,10 +2233,10 @@
     </dgm:txFillClrLst>
     <dgm:txEffectClrLst/>
   </dgm:styleLbl>
-  <dgm:styleLbl name="parChTrans1D4">
+  <dgm:styleLbl name="parChTrans1D2">
     <dgm:fillClrLst meth="repeat">
-      <a:schemeClr val="accent2">
-        <a:tint val="50000"/>
+      <a:schemeClr val="accent4">
+        <a:tint val="90000"/>
       </a:schemeClr>
     </dgm:fillClrLst>
     <dgm:linClrLst meth="repeat">
@@ -2281,6 +2249,38 @@
     </dgm:txFillClrLst>
     <dgm:txEffectClrLst/>
   </dgm:styleLbl>
+  <dgm:styleLbl name="parChTrans1D3">
+    <dgm:fillClrLst meth="repeat">
+      <a:schemeClr val="accent4">
+        <a:tint val="70000"/>
+      </a:schemeClr>
+    </dgm:fillClrLst>
+    <dgm:linClrLst meth="repeat">
+      <a:schemeClr val="accent6"/>
+    </dgm:linClrLst>
+    <dgm:effectClrLst/>
+    <dgm:txLinClrLst/>
+    <dgm:txFillClrLst meth="repeat">
+      <a:schemeClr val="tx1"/>
+    </dgm:txFillClrLst>
+    <dgm:txEffectClrLst/>
+  </dgm:styleLbl>
+  <dgm:styleLbl name="parChTrans1D4">
+    <dgm:fillClrLst meth="repeat">
+      <a:schemeClr val="accent4">
+        <a:tint val="50000"/>
+      </a:schemeClr>
+    </dgm:fillClrLst>
+    <dgm:linClrLst meth="repeat">
+      <a:schemeClr val="accent1"/>
+    </dgm:linClrLst>
+    <dgm:effectClrLst/>
+    <dgm:txLinClrLst/>
+    <dgm:txFillClrLst meth="repeat">
+      <a:schemeClr val="tx1"/>
+    </dgm:txFillClrLst>
+    <dgm:txEffectClrLst/>
+  </dgm:styleLbl>
   <dgm:styleLbl name="fgAcc1">
     <dgm:fillClrLst meth="repeat">
       <a:schemeClr val="lt1">
@@ -2288,8 +2288,8 @@
       </a:schemeClr>
     </dgm:fillClrLst>
     <dgm:linClrLst>
-      <a:schemeClr val="accent2"/>
-      <a:schemeClr val="accent3"/>
+      <a:schemeClr val="accent4"/>
+      <a:schemeClr val="accent5"/>
     </dgm:linClrLst>
     <dgm:effectClrLst/>
     <dgm:txLinClrLst/>
@@ -2305,8 +2305,8 @@
       </a:schemeClr>
     </dgm:fillClrLst>
     <dgm:linClrLst>
-      <a:schemeClr val="accent2"/>
-      <a:schemeClr val="accent3"/>
+      <a:schemeClr val="accent4"/>
+      <a:schemeClr val="accent5"/>
     </dgm:linClrLst>
     <dgm:effectClrLst/>
     <dgm:txLinClrLst/>
@@ -2322,8 +2322,8 @@
       </a:schemeClr>
     </dgm:fillClrLst>
     <dgm:linClrLst>
-      <a:schemeClr val="accent2"/>
-      <a:schemeClr val="accent3"/>
+      <a:schemeClr val="accent4"/>
+      <a:schemeClr val="accent5"/>
     </dgm:linClrLst>
     <dgm:effectClrLst/>
     <dgm:txLinClrLst/>
@@ -2339,7 +2339,7 @@
       </a:schemeClr>
     </dgm:fillClrLst>
     <dgm:linClrLst meth="repeat">
-      <a:schemeClr val="accent2"/>
+      <a:schemeClr val="accent4"/>
     </dgm:linClrLst>
     <dgm:effectClrLst/>
     <dgm:txLinClrLst/>
@@ -2355,8 +2355,8 @@
       </a:schemeClr>
     </dgm:fillClrLst>
     <dgm:linClrLst>
-      <a:schemeClr val="accent2"/>
-      <a:schemeClr val="accent3"/>
+      <a:schemeClr val="accent4"/>
+      <a:schemeClr val="accent5"/>
     </dgm:linClrLst>
     <dgm:effectClrLst/>
     <dgm:txLinClrLst/>
@@ -2370,8 +2370,8 @@
       <a:schemeClr val="lt1"/>
     </dgm:fillClrLst>
     <dgm:linClrLst>
-      <a:schemeClr val="accent2"/>
-      <a:schemeClr val="accent3"/>
+      <a:schemeClr val="accent4"/>
+      <a:schemeClr val="accent5"/>
     </dgm:linClrLst>
     <dgm:effectClrLst/>
     <dgm:txLinClrLst/>
@@ -2385,8 +2385,8 @@
       <a:schemeClr val="lt1"/>
     </dgm:fillClrLst>
     <dgm:linClrLst>
-      <a:schemeClr val="accent2"/>
-      <a:schemeClr val="accent3"/>
+      <a:schemeClr val="accent4"/>
+      <a:schemeClr val="accent5"/>
     </dgm:linClrLst>
     <dgm:effectClrLst/>
     <dgm:txLinClrLst/>
@@ -2400,8 +2400,8 @@
       <a:schemeClr val="lt1"/>
     </dgm:fillClrLst>
     <dgm:linClrLst>
-      <a:schemeClr val="accent2"/>
-      <a:schemeClr val="accent3"/>
+      <a:schemeClr val="accent4"/>
+      <a:schemeClr val="accent5"/>
     </dgm:linClrLst>
     <dgm:effectClrLst/>
     <dgm:txLinClrLst/>
@@ -2412,21 +2412,21 @@
   </dgm:styleLbl>
   <dgm:styleLbl name="fgAccFollowNode1">
     <dgm:fillClrLst>
-      <a:schemeClr val="accent2">
+      <a:schemeClr val="accent4">
         <a:tint val="40000"/>
         <a:alpha val="90000"/>
       </a:schemeClr>
-      <a:schemeClr val="accent3">
+      <a:schemeClr val="accent5">
         <a:tint val="40000"/>
         <a:alpha val="90000"/>
       </a:schemeClr>
     </dgm:fillClrLst>
     <dgm:linClrLst>
-      <a:schemeClr val="accent2">
+      <a:schemeClr val="accent4">
         <a:tint val="40000"/>
         <a:alpha val="90000"/>
       </a:schemeClr>
-      <a:schemeClr val="accent3">
+      <a:schemeClr val="accent5">
         <a:tint val="40000"/>
         <a:alpha val="90000"/>
       </a:schemeClr>
@@ -2440,21 +2440,21 @@
   </dgm:styleLbl>
   <dgm:styleLbl name="alignAccFollowNode1">
     <dgm:fillClrLst>
-      <a:schemeClr val="accent2">
+      <a:schemeClr val="accent4">
         <a:tint val="40000"/>
         <a:alpha val="90000"/>
       </a:schemeClr>
-      <a:schemeClr val="accent3">
+      <a:schemeClr val="accent5">
         <a:tint val="40000"/>
         <a:alpha val="90000"/>
       </a:schemeClr>
     </dgm:fillClrLst>
     <dgm:linClrLst>
-      <a:schemeClr val="accent2">
+      <a:schemeClr val="accent4">
         <a:tint val="40000"/>
         <a:alpha val="90000"/>
       </a:schemeClr>
-      <a:schemeClr val="accent3">
+      <a:schemeClr val="accent5">
         <a:tint val="40000"/>
         <a:alpha val="90000"/>
       </a:schemeClr>
@@ -2468,21 +2468,21 @@
   </dgm:styleLbl>
   <dgm:styleLbl name="bgAccFollowNode1">
     <dgm:fillClrLst>
-      <a:schemeClr val="accent2">
+      <a:schemeClr val="accent4">
         <a:tint val="40000"/>
         <a:alpha val="90000"/>
       </a:schemeClr>
-      <a:schemeClr val="accent3">
+      <a:schemeClr val="accent5">
         <a:tint val="40000"/>
         <a:alpha val="90000"/>
       </a:schemeClr>
     </dgm:fillClrLst>
     <dgm:linClrLst>
-      <a:schemeClr val="accent2">
+      <a:schemeClr val="accent4">
         <a:tint val="40000"/>
         <a:alpha val="90000"/>
       </a:schemeClr>
-      <a:schemeClr val="accent3">
+      <a:schemeClr val="accent5">
         <a:tint val="40000"/>
         <a:alpha val="90000"/>
       </a:schemeClr>
@@ -2495,6 +2495,54 @@
     <dgm:txEffectClrLst/>
   </dgm:styleLbl>
   <dgm:styleLbl name="fgAcc0">
+    <dgm:fillClrLst meth="repeat">
+      <a:schemeClr val="lt1">
+        <a:alpha val="90000"/>
+      </a:schemeClr>
+    </dgm:fillClrLst>
+    <dgm:linClrLst>
+      <a:schemeClr val="accent3"/>
+    </dgm:linClrLst>
+    <dgm:effectClrLst/>
+    <dgm:txLinClrLst/>
+    <dgm:txFillClrLst meth="repeat">
+      <a:schemeClr val="dk1"/>
+    </dgm:txFillClrLst>
+    <dgm:txEffectClrLst/>
+  </dgm:styleLbl>
+  <dgm:styleLbl name="fgAcc2">
+    <dgm:fillClrLst meth="repeat">
+      <a:schemeClr val="lt1">
+        <a:alpha val="90000"/>
+      </a:schemeClr>
+    </dgm:fillClrLst>
+    <dgm:linClrLst>
+      <a:schemeClr val="accent5"/>
+    </dgm:linClrLst>
+    <dgm:effectClrLst/>
+    <dgm:txLinClrLst/>
+    <dgm:txFillClrLst meth="repeat">
+      <a:schemeClr val="dk1"/>
+    </dgm:txFillClrLst>
+    <dgm:txEffectClrLst/>
+  </dgm:styleLbl>
+  <dgm:styleLbl name="fgAcc3">
+    <dgm:fillClrLst meth="repeat">
+      <a:schemeClr val="lt1">
+        <a:alpha val="90000"/>
+      </a:schemeClr>
+    </dgm:fillClrLst>
+    <dgm:linClrLst>
+      <a:schemeClr val="accent6"/>
+    </dgm:linClrLst>
+    <dgm:effectClrLst/>
+    <dgm:txLinClrLst/>
+    <dgm:txFillClrLst meth="repeat">
+      <a:schemeClr val="dk1"/>
+    </dgm:txFillClrLst>
+    <dgm:txEffectClrLst/>
+  </dgm:styleLbl>
+  <dgm:styleLbl name="fgAcc4">
     <dgm:fillClrLst meth="repeat">
       <a:schemeClr val="lt1">
         <a:alpha val="90000"/>
@@ -2510,57 +2558,9 @@
     </dgm:txFillClrLst>
     <dgm:txEffectClrLst/>
   </dgm:styleLbl>
-  <dgm:styleLbl name="fgAcc2">
-    <dgm:fillClrLst meth="repeat">
-      <a:schemeClr val="lt1">
-        <a:alpha val="90000"/>
-      </a:schemeClr>
-    </dgm:fillClrLst>
-    <dgm:linClrLst>
-      <a:schemeClr val="accent3"/>
-    </dgm:linClrLst>
-    <dgm:effectClrLst/>
-    <dgm:txLinClrLst/>
-    <dgm:txFillClrLst meth="repeat">
-      <a:schemeClr val="dk1"/>
-    </dgm:txFillClrLst>
-    <dgm:txEffectClrLst/>
-  </dgm:styleLbl>
-  <dgm:styleLbl name="fgAcc3">
-    <dgm:fillClrLst meth="repeat">
-      <a:schemeClr val="lt1">
-        <a:alpha val="90000"/>
-      </a:schemeClr>
-    </dgm:fillClrLst>
-    <dgm:linClrLst>
-      <a:schemeClr val="accent4"/>
-    </dgm:linClrLst>
-    <dgm:effectClrLst/>
-    <dgm:txLinClrLst/>
-    <dgm:txFillClrLst meth="repeat">
-      <a:schemeClr val="dk1"/>
-    </dgm:txFillClrLst>
-    <dgm:txEffectClrLst/>
-  </dgm:styleLbl>
-  <dgm:styleLbl name="fgAcc4">
-    <dgm:fillClrLst meth="repeat">
-      <a:schemeClr val="lt1">
-        <a:alpha val="90000"/>
-      </a:schemeClr>
-    </dgm:fillClrLst>
-    <dgm:linClrLst>
-      <a:schemeClr val="accent5"/>
-    </dgm:linClrLst>
-    <dgm:effectClrLst/>
-    <dgm:txLinClrLst/>
-    <dgm:txFillClrLst meth="repeat">
-      <a:schemeClr val="dk1"/>
-    </dgm:txFillClrLst>
-    <dgm:txEffectClrLst/>
-  </dgm:styleLbl>
   <dgm:styleLbl name="bgShp">
     <dgm:fillClrLst meth="repeat">
-      <a:schemeClr val="accent2">
+      <a:schemeClr val="accent4">
         <a:tint val="40000"/>
       </a:schemeClr>
     </dgm:fillClrLst>
@@ -2576,7 +2576,7 @@
   </dgm:styleLbl>
   <dgm:styleLbl name="dkBgShp">
     <dgm:fillClrLst meth="repeat">
-      <a:schemeClr val="accent2">
+      <a:schemeClr val="accent4">
         <a:shade val="90000"/>
       </a:schemeClr>
     </dgm:fillClrLst>
@@ -2592,13 +2592,13 @@
   </dgm:styleLbl>
   <dgm:styleLbl name="trBgShp">
     <dgm:fillClrLst meth="repeat">
-      <a:schemeClr val="accent2">
+      <a:schemeClr val="accent4">
         <a:tint val="50000"/>
         <a:alpha val="40000"/>
       </a:schemeClr>
     </dgm:fillClrLst>
     <dgm:linClrLst meth="repeat">
-      <a:schemeClr val="accent2"/>
+      <a:schemeClr val="accent4"/>
     </dgm:linClrLst>
     <dgm:effectClrLst/>
     <dgm:txLinClrLst/>
@@ -2609,7 +2609,7 @@
   </dgm:styleLbl>
   <dgm:styleLbl name="fgShp">
     <dgm:fillClrLst meth="repeat">
-      <a:schemeClr val="accent2">
+      <a:schemeClr val="accent4">
         <a:tint val="40000"/>
       </a:schemeClr>
     </dgm:fillClrLst>
@@ -6727,8 +6727,8 @@
   <dgm:cxnLst>
     <dgm:cxn modelId="{8B3E1A5A-1D38-4593-A8AE-AD8BA18AC21C}" srcId="{C9D60DB3-B3C3-48DB-8A81-5370B43B11D0}" destId="{D9458AB5-C09F-4A55-970F-4D0558329DC8}" srcOrd="1" destOrd="0" parTransId="{43B222DA-051B-4C8F-93BD-099729D5A128}" sibTransId="{C433CD07-D954-4985-BAC3-68018D6DC0E6}"/>
     <dgm:cxn modelId="{28435D28-995D-4DC5-8E1A-D4EEA8945B18}" srcId="{C9D60DB3-B3C3-48DB-8A81-5370B43B11D0}" destId="{E75042EB-57E5-40DD-9560-933D4055CD9E}" srcOrd="0" destOrd="0" parTransId="{9C6E9F20-574E-48CD-8585-19137758F69F}" sibTransId="{8AB64242-25BA-427D-AA5D-DB5DA1467213}"/>
+    <dgm:cxn modelId="{1CF9DF24-D672-4261-BADD-2402C1BAEDF6}" type="presOf" srcId="{E75042EB-57E5-40DD-9560-933D4055CD9E}" destId="{8B8E3035-7601-4D6A-AE4D-3597997C0140}" srcOrd="0" destOrd="0" presId="urn:microsoft.com/office/officeart/2005/8/layout/hList6"/>
     <dgm:cxn modelId="{B77515DA-1049-435B-B5AA-040BF412190B}" type="presOf" srcId="{C9D60DB3-B3C3-48DB-8A81-5370B43B11D0}" destId="{614A6671-E8D3-4853-B49F-FA63ED67CD67}" srcOrd="0" destOrd="0" presId="urn:microsoft.com/office/officeart/2005/8/layout/hList6"/>
-    <dgm:cxn modelId="{1CF9DF24-D672-4261-BADD-2402C1BAEDF6}" type="presOf" srcId="{E75042EB-57E5-40DD-9560-933D4055CD9E}" destId="{8B8E3035-7601-4D6A-AE4D-3597997C0140}" srcOrd="0" destOrd="0" presId="urn:microsoft.com/office/officeart/2005/8/layout/hList6"/>
     <dgm:cxn modelId="{50362974-ADDD-41F4-BDCC-34DBC78D434F}" type="presOf" srcId="{D9458AB5-C09F-4A55-970F-4D0558329DC8}" destId="{5B9060E0-9144-41E7-8522-E54C75689F96}" srcOrd="0" destOrd="0" presId="urn:microsoft.com/office/officeart/2005/8/layout/hList6"/>
     <dgm:cxn modelId="{7DB2872B-57E4-40C8-8C7D-76F4B25DD526}" type="presParOf" srcId="{614A6671-E8D3-4853-B49F-FA63ED67CD67}" destId="{8B8E3035-7601-4D6A-AE4D-3597997C0140}" srcOrd="0" destOrd="0" presId="urn:microsoft.com/office/officeart/2005/8/layout/hList6"/>
     <dgm:cxn modelId="{2264A55E-A343-4177-BD62-06B034A28971}" type="presParOf" srcId="{614A6671-E8D3-4853-B49F-FA63ED67CD67}" destId="{5BABE991-6681-4266-91BC-272E5E57FEBF}" srcOrd="1" destOrd="0" presId="urn:microsoft.com/office/officeart/2005/8/layout/hList6"/>
@@ -6962,7 +6962,7 @@
 <dgm:dataModel xmlns:dgm="http://schemas.openxmlformats.org/drawingml/2006/diagram" xmlns:a="http://schemas.openxmlformats.org/drawingml/2006/main">
   <dgm:ptLst>
     <dgm:pt modelId="{4C92B6CE-AF90-41AB-840C-31E82ED3AB0B}" type="doc">
-      <dgm:prSet loTypeId="urn:microsoft.com/office/officeart/2005/8/layout/vList2" loCatId="list" qsTypeId="urn:microsoft.com/office/officeart/2005/8/quickstyle/simple4" qsCatId="simple" csTypeId="urn:microsoft.com/office/officeart/2005/8/colors/colorful2" csCatId="colorful"/>
+      <dgm:prSet loTypeId="urn:microsoft.com/office/officeart/2005/8/layout/vList2" loCatId="list" qsTypeId="urn:microsoft.com/office/officeart/2005/8/quickstyle/3d4" qsCatId="3D" csTypeId="urn:microsoft.com/office/officeart/2005/8/colors/colorful4" csCatId="colorful" phldr="1"/>
       <dgm:spPr/>
       <dgm:t>
         <a:bodyPr/>
@@ -7157,6 +7157,13 @@
     <dgm:pt modelId="{CD038201-7168-4603-8BEB-5F8827A35EA5}" type="pres">
       <dgm:prSet presAssocID="{CEC50C55-7C10-4974-885D-A00191D30B1F}" presName="spacer" presStyleCnt="0"/>
       <dgm:spPr/>
+      <dgm:t>
+        <a:bodyPr/>
+        <a:lstStyle/>
+        <a:p>
+          <a:endParaRPr lang="zh-TW" altLang="en-US"/>
+        </a:p>
+      </dgm:t>
     </dgm:pt>
     <dgm:pt modelId="{CC8FBD75-3B81-4DA7-A500-0B2569EB4A22}" type="pres">
       <dgm:prSet presAssocID="{1AC3D572-EB81-4A8A-8EDB-261613BA79D5}" presName="parentText" presStyleLbl="node1" presStyleIdx="1" presStyleCnt="3">
@@ -7177,6 +7184,13 @@
     <dgm:pt modelId="{1424302B-C907-4B8F-8BF2-61FA9F3C60A7}" type="pres">
       <dgm:prSet presAssocID="{0A292937-35D7-4C76-91AC-182721671151}" presName="spacer" presStyleCnt="0"/>
       <dgm:spPr/>
+      <dgm:t>
+        <a:bodyPr/>
+        <a:lstStyle/>
+        <a:p>
+          <a:endParaRPr lang="zh-TW" altLang="en-US"/>
+        </a:p>
+      </dgm:t>
     </dgm:pt>
     <dgm:pt modelId="{16650711-A88F-471F-89A8-E8C435340916}" type="pres">
       <dgm:prSet presAssocID="{4CEA0E2B-1617-4B0E-934E-9F620F70DB3D}" presName="parentText" presStyleLbl="node1" presStyleIdx="2" presStyleCnt="3">
@@ -10449,66 +10463,40 @@
       </dsp:nvSpPr>
       <dsp:spPr>
         <a:xfrm>
-          <a:off x="0" y="455"/>
-          <a:ext cx="7200800" cy="757872"/>
+          <a:off x="0" y="122"/>
+          <a:ext cx="7200800" cy="755609"/>
         </a:xfrm>
         <a:prstGeom prst="roundRect">
           <a:avLst/>
         </a:prstGeom>
-        <a:gradFill rotWithShape="0">
-          <a:gsLst>
-            <a:gs pos="0">
-              <a:schemeClr val="accent2">
-                <a:hueOff val="0"/>
-                <a:satOff val="0"/>
-                <a:lumOff val="0"/>
-                <a:alphaOff val="0"/>
-                <a:shade val="51000"/>
-                <a:satMod val="130000"/>
-              </a:schemeClr>
-            </a:gs>
-            <a:gs pos="80000">
-              <a:schemeClr val="accent2">
-                <a:hueOff val="0"/>
-                <a:satOff val="0"/>
-                <a:lumOff val="0"/>
-                <a:alphaOff val="0"/>
-                <a:shade val="93000"/>
-                <a:satMod val="130000"/>
-              </a:schemeClr>
-            </a:gs>
-            <a:gs pos="100000">
-              <a:schemeClr val="accent2">
-                <a:hueOff val="0"/>
-                <a:satOff val="0"/>
-                <a:lumOff val="0"/>
-                <a:alphaOff val="0"/>
-                <a:shade val="94000"/>
-                <a:satMod val="135000"/>
-              </a:schemeClr>
-            </a:gs>
-          </a:gsLst>
-          <a:lin ang="16200000" scaled="0"/>
-        </a:gradFill>
+        <a:solidFill>
+          <a:schemeClr val="accent4">
+            <a:hueOff val="0"/>
+            <a:satOff val="0"/>
+            <a:lumOff val="0"/>
+            <a:alphaOff val="0"/>
+          </a:schemeClr>
+        </a:solidFill>
         <a:ln>
           <a:noFill/>
         </a:ln>
-        <a:effectLst>
-          <a:outerShdw blurRad="40000" dist="23000" dir="5400000" rotWithShape="0">
-            <a:srgbClr val="000000">
-              <a:alpha val="35000"/>
-            </a:srgbClr>
-          </a:outerShdw>
-        </a:effectLst>
+        <a:effectLst/>
+        <a:scene3d>
+          <a:camera prst="orthographicFront"/>
+          <a:lightRig rig="chilly" dir="t"/>
+        </a:scene3d>
+        <a:sp3d prstMaterial="translucentPowder">
+          <a:bevelT w="127000" h="25400" prst="softRound"/>
+        </a:sp3d>
       </dsp:spPr>
       <dsp:style>
         <a:lnRef idx="0">
           <a:scrgbClr r="0" g="0" b="0"/>
         </a:lnRef>
-        <a:fillRef idx="3">
+        <a:fillRef idx="1">
           <a:scrgbClr r="0" g="0" b="0"/>
         </a:fillRef>
-        <a:effectRef idx="2">
+        <a:effectRef idx="0">
           <a:scrgbClr r="0" g="0" b="0"/>
         </a:effectRef>
         <a:fontRef idx="minor">
@@ -10546,8 +10534,8 @@
         </a:p>
       </dsp:txBody>
       <dsp:txXfrm>
-        <a:off x="36996" y="37451"/>
-        <a:ext cx="7126808" cy="683880"/>
+        <a:off x="36886" y="37008"/>
+        <a:ext cx="7127028" cy="681837"/>
       </dsp:txXfrm>
     </dsp:sp>
     <dsp:sp modelId="{CC8FBD75-3B81-4DA7-A500-0B2569EB4A22}">
@@ -10557,66 +10545,40 @@
       </dsp:nvSpPr>
       <dsp:spPr>
         <a:xfrm>
-          <a:off x="0" y="768691"/>
-          <a:ext cx="7200800" cy="757872"/>
+          <a:off x="0" y="769822"/>
+          <a:ext cx="7200800" cy="755609"/>
         </a:xfrm>
         <a:prstGeom prst="roundRect">
           <a:avLst/>
         </a:prstGeom>
-        <a:gradFill rotWithShape="0">
-          <a:gsLst>
-            <a:gs pos="0">
-              <a:schemeClr val="accent2">
-                <a:hueOff val="2340759"/>
-                <a:satOff val="-2919"/>
-                <a:lumOff val="686"/>
-                <a:alphaOff val="0"/>
-                <a:shade val="51000"/>
-                <a:satMod val="130000"/>
-              </a:schemeClr>
-            </a:gs>
-            <a:gs pos="80000">
-              <a:schemeClr val="accent2">
-                <a:hueOff val="2340759"/>
-                <a:satOff val="-2919"/>
-                <a:lumOff val="686"/>
-                <a:alphaOff val="0"/>
-                <a:shade val="93000"/>
-                <a:satMod val="130000"/>
-              </a:schemeClr>
-            </a:gs>
-            <a:gs pos="100000">
-              <a:schemeClr val="accent2">
-                <a:hueOff val="2340759"/>
-                <a:satOff val="-2919"/>
-                <a:lumOff val="686"/>
-                <a:alphaOff val="0"/>
-                <a:shade val="94000"/>
-                <a:satMod val="135000"/>
-              </a:schemeClr>
-            </a:gs>
-          </a:gsLst>
-          <a:lin ang="16200000" scaled="0"/>
-        </a:gradFill>
+        <a:solidFill>
+          <a:schemeClr val="accent4">
+            <a:hueOff val="-2232385"/>
+            <a:satOff val="13449"/>
+            <a:lumOff val="1078"/>
+            <a:alphaOff val="0"/>
+          </a:schemeClr>
+        </a:solidFill>
         <a:ln>
           <a:noFill/>
         </a:ln>
-        <a:effectLst>
-          <a:outerShdw blurRad="40000" dist="23000" dir="5400000" rotWithShape="0">
-            <a:srgbClr val="000000">
-              <a:alpha val="35000"/>
-            </a:srgbClr>
-          </a:outerShdw>
-        </a:effectLst>
+        <a:effectLst/>
+        <a:scene3d>
+          <a:camera prst="orthographicFront"/>
+          <a:lightRig rig="chilly" dir="t"/>
+        </a:scene3d>
+        <a:sp3d prstMaterial="translucentPowder">
+          <a:bevelT w="127000" h="25400" prst="softRound"/>
+        </a:sp3d>
       </dsp:spPr>
       <dsp:style>
         <a:lnRef idx="0">
           <a:scrgbClr r="0" g="0" b="0"/>
         </a:lnRef>
-        <a:fillRef idx="3">
+        <a:fillRef idx="1">
           <a:scrgbClr r="0" g="0" b="0"/>
         </a:fillRef>
-        <a:effectRef idx="2">
+        <a:effectRef idx="0">
           <a:scrgbClr r="0" g="0" b="0"/>
         </a:effectRef>
         <a:fontRef idx="minor">
@@ -10654,8 +10616,8 @@
         </a:p>
       </dsp:txBody>
       <dsp:txXfrm>
-        <a:off x="36996" y="805687"/>
-        <a:ext cx="7126808" cy="683880"/>
+        <a:off x="36886" y="806708"/>
+        <a:ext cx="7127028" cy="681837"/>
       </dsp:txXfrm>
     </dsp:sp>
     <dsp:sp modelId="{16650711-A88F-471F-89A8-E8C435340916}">
@@ -10665,66 +10627,40 @@
       </dsp:nvSpPr>
       <dsp:spPr>
         <a:xfrm>
-          <a:off x="0" y="1536927"/>
-          <a:ext cx="7200800" cy="757872"/>
+          <a:off x="0" y="1539523"/>
+          <a:ext cx="7200800" cy="755609"/>
         </a:xfrm>
         <a:prstGeom prst="roundRect">
           <a:avLst/>
         </a:prstGeom>
-        <a:gradFill rotWithShape="0">
-          <a:gsLst>
-            <a:gs pos="0">
-              <a:schemeClr val="accent2">
-                <a:hueOff val="4681519"/>
-                <a:satOff val="-5839"/>
-                <a:lumOff val="1373"/>
-                <a:alphaOff val="0"/>
-                <a:shade val="51000"/>
-                <a:satMod val="130000"/>
-              </a:schemeClr>
-            </a:gs>
-            <a:gs pos="80000">
-              <a:schemeClr val="accent2">
-                <a:hueOff val="4681519"/>
-                <a:satOff val="-5839"/>
-                <a:lumOff val="1373"/>
-                <a:alphaOff val="0"/>
-                <a:shade val="93000"/>
-                <a:satMod val="130000"/>
-              </a:schemeClr>
-            </a:gs>
-            <a:gs pos="100000">
-              <a:schemeClr val="accent2">
-                <a:hueOff val="4681519"/>
-                <a:satOff val="-5839"/>
-                <a:lumOff val="1373"/>
-                <a:alphaOff val="0"/>
-                <a:shade val="94000"/>
-                <a:satMod val="135000"/>
-              </a:schemeClr>
-            </a:gs>
-          </a:gsLst>
-          <a:lin ang="16200000" scaled="0"/>
-        </a:gradFill>
+        <a:solidFill>
+          <a:schemeClr val="accent4">
+            <a:hueOff val="-4464770"/>
+            <a:satOff val="26899"/>
+            <a:lumOff val="2156"/>
+            <a:alphaOff val="0"/>
+          </a:schemeClr>
+        </a:solidFill>
         <a:ln>
           <a:noFill/>
         </a:ln>
-        <a:effectLst>
-          <a:outerShdw blurRad="40000" dist="23000" dir="5400000" rotWithShape="0">
-            <a:srgbClr val="000000">
-              <a:alpha val="35000"/>
-            </a:srgbClr>
-          </a:outerShdw>
-        </a:effectLst>
+        <a:effectLst/>
+        <a:scene3d>
+          <a:camera prst="orthographicFront"/>
+          <a:lightRig rig="chilly" dir="t"/>
+        </a:scene3d>
+        <a:sp3d prstMaterial="translucentPowder">
+          <a:bevelT w="127000" h="25400" prst="softRound"/>
+        </a:sp3d>
       </dsp:spPr>
       <dsp:style>
         <a:lnRef idx="0">
           <a:scrgbClr r="0" g="0" b="0"/>
         </a:lnRef>
-        <a:fillRef idx="3">
+        <a:fillRef idx="1">
           <a:scrgbClr r="0" g="0" b="0"/>
         </a:fillRef>
-        <a:effectRef idx="2">
+        <a:effectRef idx="0">
           <a:scrgbClr r="0" g="0" b="0"/>
         </a:effectRef>
         <a:fontRef idx="minor">
@@ -10762,8 +10698,8 @@
         </a:p>
       </dsp:txBody>
       <dsp:txXfrm>
-        <a:off x="36996" y="1573923"/>
-        <a:ext cx="7126808" cy="683880"/>
+        <a:off x="36886" y="1576409"/>
+        <a:ext cx="7127028" cy="681837"/>
       </dsp:txXfrm>
     </dsp:sp>
   </dsp:spTree>
@@ -18587,11 +18523,11 @@
 </file>
 
 <file path=ppt/diagrams/quickStyle3.xml><?xml version="1.0" encoding="utf-8"?>
-<dgm:styleDef xmlns:dgm="http://schemas.openxmlformats.org/drawingml/2006/diagram" xmlns:a="http://schemas.openxmlformats.org/drawingml/2006/main" uniqueId="urn:microsoft.com/office/officeart/2005/8/quickstyle/simple4">
+<dgm:styleDef xmlns:dgm="http://schemas.openxmlformats.org/drawingml/2006/diagram" xmlns:a="http://schemas.openxmlformats.org/drawingml/2006/main" uniqueId="urn:microsoft.com/office/officeart/2005/8/quickstyle/3d4">
   <dgm:title val=""/>
   <dgm:desc val=""/>
   <dgm:catLst>
-    <dgm:cat type="simple" pri="10400"/>
+    <dgm:cat type="3D" pri="11400"/>
   </dgm:catLst>
   <dgm:scene3d>
     <a:camera prst="orthographicFront"/>
@@ -18600,18 +18536,20 @@
   <dgm:styleLbl name="node0">
     <dgm:scene3d>
       <a:camera prst="orthographicFront"/>
-      <a:lightRig rig="threePt" dir="t"/>
+      <a:lightRig rig="chilly" dir="t"/>
     </dgm:scene3d>
-    <dgm:sp3d/>
+    <dgm:sp3d prstMaterial="translucentPowder">
+      <a:bevelT w="127000" h="25400" prst="softRound"/>
+    </dgm:sp3d>
     <dgm:txPr/>
     <dgm:style>
       <a:lnRef idx="0">
         <a:scrgbClr r="0" g="0" b="0"/>
       </a:lnRef>
-      <a:fillRef idx="3">
+      <a:fillRef idx="1">
         <a:scrgbClr r="0" g="0" b="0"/>
       </a:fillRef>
-      <a:effectRef idx="2">
+      <a:effectRef idx="0">
         <a:scrgbClr r="0" g="0" b="0"/>
       </a:effectRef>
       <a:fontRef idx="minor">
@@ -18622,18 +18560,20 @@
   <dgm:styleLbl name="lnNode1">
     <dgm:scene3d>
       <a:camera prst="orthographicFront"/>
-      <a:lightRig rig="threePt" dir="t"/>
+      <a:lightRig rig="chilly" dir="t"/>
     </dgm:scene3d>
-    <dgm:sp3d/>
+    <dgm:sp3d prstMaterial="translucentPowder">
+      <a:bevelT w="127000" h="25400" prst="softRound"/>
+    </dgm:sp3d>
     <dgm:txPr/>
     <dgm:style>
-      <a:lnRef idx="1">
+      <a:lnRef idx="0">
         <a:scrgbClr r="0" g="0" b="0"/>
       </a:lnRef>
-      <a:fillRef idx="3">
+      <a:fillRef idx="1">
         <a:scrgbClr r="0" g="0" b="0"/>
       </a:fillRef>
-      <a:effectRef idx="2">
+      <a:effectRef idx="0">
         <a:scrgbClr r="0" g="0" b="0"/>
       </a:effectRef>
       <a:fontRef idx="minor">
@@ -18644,15 +18584,17 @@
   <dgm:styleLbl name="vennNode1">
     <dgm:scene3d>
       <a:camera prst="orthographicFront"/>
-      <a:lightRig rig="threePt" dir="t"/>
+      <a:lightRig rig="chilly" dir="t"/>
     </dgm:scene3d>
-    <dgm:sp3d/>
+    <dgm:sp3d prstMaterial="translucentPowder">
+      <a:bevelT w="127000" h="25400" prst="softRound"/>
+    </dgm:sp3d>
     <dgm:txPr/>
     <dgm:style>
       <a:lnRef idx="0">
         <a:scrgbClr r="0" g="0" b="0"/>
       </a:lnRef>
-      <a:fillRef idx="3">
+      <a:fillRef idx="1">
         <a:scrgbClr r="0" g="0" b="0"/>
       </a:fillRef>
       <a:effectRef idx="0">
@@ -18666,18 +18608,20 @@
   <dgm:styleLbl name="alignNode1">
     <dgm:scene3d>
       <a:camera prst="orthographicFront"/>
-      <a:lightRig rig="threePt" dir="t"/>
+      <a:lightRig rig="chilly" dir="t"/>
     </dgm:scene3d>
-    <dgm:sp3d/>
+    <dgm:sp3d prstMaterial="translucentPowder">
+      <a:bevelT w="127000" h="25400" prst="softRound"/>
+    </dgm:sp3d>
     <dgm:txPr/>
     <dgm:style>
       <a:lnRef idx="1">
         <a:scrgbClr r="0" g="0" b="0"/>
       </a:lnRef>
-      <a:fillRef idx="3">
+      <a:fillRef idx="1">
         <a:scrgbClr r="0" g="0" b="0"/>
       </a:fillRef>
-      <a:effectRef idx="2">
+      <a:effectRef idx="0">
         <a:scrgbClr r="0" g="0" b="0"/>
       </a:effectRef>
       <a:fontRef idx="minor">
@@ -18688,18 +18632,20 @@
   <dgm:styleLbl name="node1">
     <dgm:scene3d>
       <a:camera prst="orthographicFront"/>
-      <a:lightRig rig="threePt" dir="t"/>
+      <a:lightRig rig="chilly" dir="t"/>
     </dgm:scene3d>
-    <dgm:sp3d/>
+    <dgm:sp3d prstMaterial="translucentPowder">
+      <a:bevelT w="127000" h="25400" prst="softRound"/>
+    </dgm:sp3d>
     <dgm:txPr/>
     <dgm:style>
       <a:lnRef idx="0">
         <a:scrgbClr r="0" g="0" b="0"/>
       </a:lnRef>
-      <a:fillRef idx="3">
+      <a:fillRef idx="1">
         <a:scrgbClr r="0" g="0" b="0"/>
       </a:fillRef>
-      <a:effectRef idx="2">
+      <a:effectRef idx="0">
         <a:scrgbClr r="0" g="0" b="0"/>
       </a:effectRef>
       <a:fontRef idx="minor">
@@ -18710,18 +18656,20 @@
   <dgm:styleLbl name="node2">
     <dgm:scene3d>
       <a:camera prst="orthographicFront"/>
-      <a:lightRig rig="threePt" dir="t"/>
+      <a:lightRig rig="chilly" dir="t"/>
     </dgm:scene3d>
-    <dgm:sp3d/>
+    <dgm:sp3d prstMaterial="translucentPowder">
+      <a:bevelT w="127000" h="25400" prst="softRound"/>
+    </dgm:sp3d>
     <dgm:txPr/>
     <dgm:style>
       <a:lnRef idx="0">
         <a:scrgbClr r="0" g="0" b="0"/>
       </a:lnRef>
-      <a:fillRef idx="3">
+      <a:fillRef idx="1">
         <a:scrgbClr r="0" g="0" b="0"/>
       </a:fillRef>
-      <a:effectRef idx="2">
+      <a:effectRef idx="0">
         <a:scrgbClr r="0" g="0" b="0"/>
       </a:effectRef>
       <a:fontRef idx="minor">
@@ -18732,18 +18680,20 @@
   <dgm:styleLbl name="node3">
     <dgm:scene3d>
       <a:camera prst="orthographicFront"/>
-      <a:lightRig rig="threePt" dir="t"/>
+      <a:lightRig rig="chilly" dir="t"/>
     </dgm:scene3d>
-    <dgm:sp3d/>
+    <dgm:sp3d prstMaterial="translucentPowder">
+      <a:bevelT w="127000" h="25400" prst="softRound"/>
+    </dgm:sp3d>
     <dgm:txPr/>
     <dgm:style>
       <a:lnRef idx="0">
         <a:scrgbClr r="0" g="0" b="0"/>
       </a:lnRef>
-      <a:fillRef idx="3">
+      <a:fillRef idx="1">
         <a:scrgbClr r="0" g="0" b="0"/>
       </a:fillRef>
-      <a:effectRef idx="2">
+      <a:effectRef idx="0">
         <a:scrgbClr r="0" g="0" b="0"/>
       </a:effectRef>
       <a:fontRef idx="minor">
@@ -18754,18 +18704,20 @@
   <dgm:styleLbl name="node4">
     <dgm:scene3d>
       <a:camera prst="orthographicFront"/>
-      <a:lightRig rig="threePt" dir="t"/>
+      <a:lightRig rig="chilly" dir="t"/>
     </dgm:scene3d>
-    <dgm:sp3d/>
+    <dgm:sp3d prstMaterial="translucentPowder">
+      <a:bevelT w="127000" h="25400" prst="softRound"/>
+    </dgm:sp3d>
     <dgm:txPr/>
     <dgm:style>
       <a:lnRef idx="0">
         <a:scrgbClr r="0" g="0" b="0"/>
       </a:lnRef>
-      <a:fillRef idx="3">
+      <a:fillRef idx="1">
         <a:scrgbClr r="0" g="0" b="0"/>
       </a:fillRef>
-      <a:effectRef idx="2">
+      <a:effectRef idx="0">
         <a:scrgbClr r="0" g="0" b="0"/>
       </a:effectRef>
       <a:fontRef idx="minor">
@@ -18776,9 +18728,12 @@
   <dgm:styleLbl name="fgImgPlace1">
     <dgm:scene3d>
       <a:camera prst="orthographicFront"/>
-      <a:lightRig rig="threePt" dir="t"/>
+      <a:lightRig rig="chilly" dir="t"/>
     </dgm:scene3d>
-    <dgm:sp3d/>
+    <dgm:sp3d z="12700" extrusionH="12700" prstMaterial="translucentPowder">
+      <a:bevelT w="25400" h="6350" prst="softRound"/>
+      <a:bevelB w="0" h="0" prst="convex"/>
+    </dgm:sp3d>
     <dgm:txPr/>
     <dgm:style>
       <a:lnRef idx="0">
@@ -18787,7 +18742,7 @@
       <a:fillRef idx="1">
         <a:scrgbClr r="0" g="0" b="0"/>
       </a:fillRef>
-      <a:effectRef idx="2">
+      <a:effectRef idx="0">
         <a:scrgbClr r="0" g="0" b="0"/>
       </a:effectRef>
       <a:fontRef idx="minor"/>
@@ -18796,9 +18751,11 @@
   <dgm:styleLbl name="alignImgPlace1">
     <dgm:scene3d>
       <a:camera prst="orthographicFront"/>
-      <a:lightRig rig="threePt" dir="t"/>
+      <a:lightRig rig="chilly" dir="t"/>
     </dgm:scene3d>
-    <dgm:sp3d/>
+    <dgm:sp3d prstMaterial="translucentPowder">
+      <a:bevelT w="127000" h="25400" prst="softRound"/>
+    </dgm:sp3d>
     <dgm:txPr/>
     <dgm:style>
       <a:lnRef idx="0">
@@ -18807,47 +18764,7 @@
       <a:fillRef idx="1">
         <a:scrgbClr r="0" g="0" b="0"/>
       </a:fillRef>
-      <a:effectRef idx="2">
-        <a:scrgbClr r="0" g="0" b="0"/>
-      </a:effectRef>
-      <a:fontRef idx="minor"/>
-    </dgm:style>
-  </dgm:styleLbl>
-  <dgm:styleLbl name="bgImgPlace1">
-    <dgm:scene3d>
-      <a:camera prst="orthographicFront"/>
-      <a:lightRig rig="threePt" dir="t"/>
-    </dgm:scene3d>
-    <dgm:sp3d/>
-    <dgm:txPr/>
-    <dgm:style>
-      <a:lnRef idx="0">
-        <a:scrgbClr r="0" g="0" b="0"/>
-      </a:lnRef>
-      <a:fillRef idx="1">
-        <a:scrgbClr r="0" g="0" b="0"/>
-      </a:fillRef>
-      <a:effectRef idx="2">
-        <a:scrgbClr r="0" g="0" b="0"/>
-      </a:effectRef>
-      <a:fontRef idx="minor"/>
-    </dgm:style>
-  </dgm:styleLbl>
-  <dgm:styleLbl name="sibTrans2D1">
-    <dgm:scene3d>
-      <a:camera prst="orthographicFront"/>
-      <a:lightRig rig="threePt" dir="t"/>
-    </dgm:scene3d>
-    <dgm:sp3d/>
-    <dgm:txPr/>
-    <dgm:style>
-      <a:lnRef idx="0">
-        <a:scrgbClr r="0" g="0" b="0"/>
-      </a:lnRef>
-      <a:fillRef idx="3">
-        <a:scrgbClr r="0" g="0" b="0"/>
-      </a:fillRef>
-      <a:effectRef idx="2">
+      <a:effectRef idx="0">
         <a:scrgbClr r="0" g="0" b="0"/>
       </a:effectRef>
       <a:fontRef idx="minor">
@@ -18855,21 +18772,48 @@
       </a:fontRef>
     </dgm:style>
   </dgm:styleLbl>
-  <dgm:styleLbl name="fgSibTrans2D1">
+  <dgm:styleLbl name="bgImgPlace1">
     <dgm:scene3d>
       <a:camera prst="orthographicFront"/>
-      <a:lightRig rig="threePt" dir="t"/>
+      <a:lightRig rig="chilly" dir="t"/>
     </dgm:scene3d>
-    <dgm:sp3d/>
+    <dgm:sp3d z="-25700" extrusionH="63500" contourW="12700" prstMaterial="matte">
+      <a:contourClr>
+        <a:schemeClr val="lt1"/>
+      </a:contourClr>
+    </dgm:sp3d>
     <dgm:txPr/>
     <dgm:style>
       <a:lnRef idx="0">
         <a:scrgbClr r="0" g="0" b="0"/>
       </a:lnRef>
-      <a:fillRef idx="3">
+      <a:fillRef idx="1">
         <a:scrgbClr r="0" g="0" b="0"/>
       </a:fillRef>
-      <a:effectRef idx="2">
+      <a:effectRef idx="0">
+        <a:scrgbClr r="0" g="0" b="0"/>
+      </a:effectRef>
+      <a:fontRef idx="minor"/>
+    </dgm:style>
+  </dgm:styleLbl>
+  <dgm:styleLbl name="sibTrans2D1">
+    <dgm:scene3d>
+      <a:camera prst="orthographicFront"/>
+      <a:lightRig rig="chilly" dir="t"/>
+    </dgm:scene3d>
+    <dgm:sp3d z="-70000" extrusionH="1700" prstMaterial="translucentPowder">
+      <a:bevelT w="25400" h="6350" prst="softRound"/>
+      <a:bevelB w="0" h="0" prst="convex"/>
+    </dgm:sp3d>
+    <dgm:txPr/>
+    <dgm:style>
+      <a:lnRef idx="0">
+        <a:scrgbClr r="0" g="0" b="0"/>
+      </a:lnRef>
+      <a:fillRef idx="1">
+        <a:scrgbClr r="0" g="0" b="0"/>
+      </a:fillRef>
+      <a:effectRef idx="0">
         <a:scrgbClr r="0" g="0" b="0"/>
       </a:effectRef>
       <a:fontRef idx="minor">
@@ -18877,21 +18821,109 @@
       </a:fontRef>
     </dgm:style>
   </dgm:styleLbl>
+  <dgm:styleLbl name="fgSibTrans2D1">
+    <dgm:scene3d>
+      <a:camera prst="orthographicFront"/>
+      <a:lightRig rig="chilly" dir="t"/>
+    </dgm:scene3d>
+    <dgm:sp3d z="12700" extrusionH="1700" prstMaterial="translucentPowder">
+      <a:bevelT w="25400" h="6350" prst="softRound"/>
+      <a:bevelB w="0" h="0" prst="convex"/>
+    </dgm:sp3d>
+    <dgm:txPr/>
+    <dgm:style>
+      <a:lnRef idx="0">
+        <a:scrgbClr r="0" g="0" b="0"/>
+      </a:lnRef>
+      <a:fillRef idx="1">
+        <a:scrgbClr r="0" g="0" b="0"/>
+      </a:fillRef>
+      <a:effectRef idx="0">
+        <a:scrgbClr r="0" g="0" b="0"/>
+      </a:effectRef>
+      <a:fontRef idx="minor"/>
+    </dgm:style>
+  </dgm:styleLbl>
   <dgm:styleLbl name="bgSibTrans2D1">
     <dgm:scene3d>
       <a:camera prst="orthographicFront"/>
-      <a:lightRig rig="threePt" dir="t"/>
+      <a:lightRig rig="chilly" dir="t"/>
     </dgm:scene3d>
-    <dgm:sp3d/>
+    <dgm:sp3d z="-25700" extrusionH="1700" prstMaterial="translucentPowder">
+      <a:bevelT w="25400" h="6350" prst="softRound"/>
+      <a:bevelB w="0" h="0" prst="convex"/>
+    </dgm:sp3d>
     <dgm:txPr/>
     <dgm:style>
       <a:lnRef idx="0">
         <a:scrgbClr r="0" g="0" b="0"/>
       </a:lnRef>
-      <a:fillRef idx="3">
+      <a:fillRef idx="1">
         <a:scrgbClr r="0" g="0" b="0"/>
       </a:fillRef>
-      <a:effectRef idx="2">
+      <a:effectRef idx="0">
+        <a:scrgbClr r="0" g="0" b="0"/>
+      </a:effectRef>
+      <a:fontRef idx="minor"/>
+    </dgm:style>
+  </dgm:styleLbl>
+  <dgm:styleLbl name="sibTrans1D1">
+    <dgm:scene3d>
+      <a:camera prst="orthographicFront"/>
+      <a:lightRig rig="chilly" dir="t"/>
+    </dgm:scene3d>
+    <dgm:sp3d z="-40000" prstMaterial="matte"/>
+    <dgm:txPr/>
+    <dgm:style>
+      <a:lnRef idx="1">
+        <a:scrgbClr r="0" g="0" b="0"/>
+      </a:lnRef>
+      <a:fillRef idx="0">
+        <a:scrgbClr r="0" g="0" b="0"/>
+      </a:fillRef>
+      <a:effectRef idx="0">
+        <a:scrgbClr r="0" g="0" b="0"/>
+      </a:effectRef>
+      <a:fontRef idx="minor"/>
+    </dgm:style>
+  </dgm:styleLbl>
+  <dgm:styleLbl name="callout">
+    <dgm:scene3d>
+      <a:camera prst="orthographicFront"/>
+      <a:lightRig rig="chilly" dir="t"/>
+    </dgm:scene3d>
+    <dgm:sp3d z="127000" prstMaterial="matte"/>
+    <dgm:txPr/>
+    <dgm:style>
+      <a:lnRef idx="2">
+        <a:scrgbClr r="0" g="0" b="0"/>
+      </a:lnRef>
+      <a:fillRef idx="1">
+        <a:scrgbClr r="0" g="0" b="0"/>
+      </a:fillRef>
+      <a:effectRef idx="0">
+        <a:scrgbClr r="0" g="0" b="0"/>
+      </a:effectRef>
+      <a:fontRef idx="minor"/>
+    </dgm:style>
+  </dgm:styleLbl>
+  <dgm:styleLbl name="asst0">
+    <dgm:scene3d>
+      <a:camera prst="orthographicFront"/>
+      <a:lightRig rig="chilly" dir="t"/>
+    </dgm:scene3d>
+    <dgm:sp3d prstMaterial="translucentPowder">
+      <a:bevelT w="127000" h="25400" prst="softRound"/>
+    </dgm:sp3d>
+    <dgm:txPr/>
+    <dgm:style>
+      <a:lnRef idx="0">
+        <a:scrgbClr r="0" g="0" b="0"/>
+      </a:lnRef>
+      <a:fillRef idx="1">
+        <a:scrgbClr r="0" g="0" b="0"/>
+      </a:fillRef>
+      <a:effectRef idx="0">
         <a:scrgbClr r="0" g="0" b="0"/>
       </a:effectRef>
       <a:fontRef idx="minor">
@@ -18899,61 +18931,23 @@
       </a:fontRef>
     </dgm:style>
   </dgm:styleLbl>
-  <dgm:styleLbl name="sibTrans1D1">
+  <dgm:styleLbl name="asst1">
     <dgm:scene3d>
       <a:camera prst="orthographicFront"/>
-      <a:lightRig rig="threePt" dir="t"/>
+      <a:lightRig rig="chilly" dir="t"/>
     </dgm:scene3d>
-    <dgm:sp3d/>
-    <dgm:txPr/>
-    <dgm:style>
-      <a:lnRef idx="1">
-        <a:scrgbClr r="0" g="0" b="0"/>
-      </a:lnRef>
-      <a:fillRef idx="0">
-        <a:scrgbClr r="0" g="0" b="0"/>
-      </a:fillRef>
-      <a:effectRef idx="0">
-        <a:scrgbClr r="0" g="0" b="0"/>
-      </a:effectRef>
-      <a:fontRef idx="minor"/>
-    </dgm:style>
-  </dgm:styleLbl>
-  <dgm:styleLbl name="callout">
-    <dgm:scene3d>
-      <a:camera prst="orthographicFront"/>
-      <a:lightRig rig="threePt" dir="t"/>
-    </dgm:scene3d>
-    <dgm:sp3d/>
-    <dgm:txPr/>
-    <dgm:style>
-      <a:lnRef idx="2">
-        <a:scrgbClr r="0" g="0" b="0"/>
-      </a:lnRef>
-      <a:fillRef idx="1">
-        <a:scrgbClr r="0" g="0" b="0"/>
-      </a:fillRef>
-      <a:effectRef idx="1">
-        <a:scrgbClr r="0" g="0" b="0"/>
-      </a:effectRef>
-      <a:fontRef idx="minor"/>
-    </dgm:style>
-  </dgm:styleLbl>
-  <dgm:styleLbl name="asst0">
-    <dgm:scene3d>
-      <a:camera prst="orthographicFront"/>
-      <a:lightRig rig="threePt" dir="t"/>
-    </dgm:scene3d>
-    <dgm:sp3d/>
+    <dgm:sp3d prstMaterial="translucentPowder">
+      <a:bevelT w="127000" h="25400" prst="softRound"/>
+    </dgm:sp3d>
     <dgm:txPr/>
     <dgm:style>
       <a:lnRef idx="0">
         <a:scrgbClr r="0" g="0" b="0"/>
       </a:lnRef>
-      <a:fillRef idx="3">
+      <a:fillRef idx="1">
         <a:scrgbClr r="0" g="0" b="0"/>
       </a:fillRef>
-      <a:effectRef idx="2">
+      <a:effectRef idx="0">
         <a:scrgbClr r="0" g="0" b="0"/>
       </a:effectRef>
       <a:fontRef idx="minor">
@@ -18961,21 +18955,23 @@
       </a:fontRef>
     </dgm:style>
   </dgm:styleLbl>
-  <dgm:styleLbl name="asst1">
+  <dgm:styleLbl name="asst2">
     <dgm:scene3d>
       <a:camera prst="orthographicFront"/>
-      <a:lightRig rig="threePt" dir="t"/>
+      <a:lightRig rig="chilly" dir="t"/>
     </dgm:scene3d>
-    <dgm:sp3d/>
+    <dgm:sp3d prstMaterial="translucentPowder">
+      <a:bevelT w="127000" h="25400" prst="softRound"/>
+    </dgm:sp3d>
     <dgm:txPr/>
     <dgm:style>
       <a:lnRef idx="0">
         <a:scrgbClr r="0" g="0" b="0"/>
       </a:lnRef>
-      <a:fillRef idx="3">
+      <a:fillRef idx="1">
         <a:scrgbClr r="0" g="0" b="0"/>
       </a:fillRef>
-      <a:effectRef idx="2">
+      <a:effectRef idx="0">
         <a:scrgbClr r="0" g="0" b="0"/>
       </a:effectRef>
       <a:fontRef idx="minor">
@@ -18983,21 +18979,23 @@
       </a:fontRef>
     </dgm:style>
   </dgm:styleLbl>
-  <dgm:styleLbl name="asst2">
+  <dgm:styleLbl name="asst3">
     <dgm:scene3d>
       <a:camera prst="orthographicFront"/>
-      <a:lightRig rig="threePt" dir="t"/>
+      <a:lightRig rig="chilly" dir="t"/>
     </dgm:scene3d>
-    <dgm:sp3d/>
+    <dgm:sp3d prstMaterial="translucentPowder">
+      <a:bevelT w="127000" h="25400" prst="softRound"/>
+    </dgm:sp3d>
     <dgm:txPr/>
     <dgm:style>
       <a:lnRef idx="0">
         <a:scrgbClr r="0" g="0" b="0"/>
       </a:lnRef>
-      <a:fillRef idx="3">
+      <a:fillRef idx="1">
         <a:scrgbClr r="0" g="0" b="0"/>
       </a:fillRef>
-      <a:effectRef idx="2">
+      <a:effectRef idx="0">
         <a:scrgbClr r="0" g="0" b="0"/>
       </a:effectRef>
       <a:fontRef idx="minor">
@@ -19005,21 +19003,264 @@
       </a:fontRef>
     </dgm:style>
   </dgm:styleLbl>
-  <dgm:styleLbl name="asst3">
+  <dgm:styleLbl name="parChTrans2D1">
+    <dgm:scene3d>
+      <a:camera prst="orthographicFront"/>
+      <a:lightRig rig="chilly" dir="t"/>
+    </dgm:scene3d>
+    <dgm:sp3d z="1700" extrusionH="1700" prstMaterial="translucentPowder">
+      <a:bevelT w="25400" h="6350" prst="softRound"/>
+      <a:bevelB w="0" h="0" prst="convex"/>
+    </dgm:sp3d>
+    <dgm:txPr/>
+    <dgm:style>
+      <a:lnRef idx="0">
+        <a:scrgbClr r="0" g="0" b="0"/>
+      </a:lnRef>
+      <a:fillRef idx="1">
+        <a:scrgbClr r="0" g="0" b="0"/>
+      </a:fillRef>
+      <a:effectRef idx="0">
+        <a:scrgbClr r="0" g="0" b="0"/>
+      </a:effectRef>
+      <a:fontRef idx="minor"/>
+    </dgm:style>
+  </dgm:styleLbl>
+  <dgm:styleLbl name="parChTrans2D2">
+    <dgm:scene3d>
+      <a:camera prst="orthographicFront"/>
+      <a:lightRig rig="chilly" dir="t"/>
+    </dgm:scene3d>
+    <dgm:sp3d z="1700" extrusionH="1700" prstMaterial="translucentPowder">
+      <a:bevelT w="25400" h="6350" prst="softRound"/>
+      <a:bevelB w="0" h="0" prst="convex"/>
+    </dgm:sp3d>
+    <dgm:txPr/>
+    <dgm:style>
+      <a:lnRef idx="0">
+        <a:scrgbClr r="0" g="0" b="0"/>
+      </a:lnRef>
+      <a:fillRef idx="1">
+        <a:scrgbClr r="0" g="0" b="0"/>
+      </a:fillRef>
+      <a:effectRef idx="0">
+        <a:scrgbClr r="0" g="0" b="0"/>
+      </a:effectRef>
+      <a:fontRef idx="minor"/>
+    </dgm:style>
+  </dgm:styleLbl>
+  <dgm:styleLbl name="parChTrans2D3">
+    <dgm:scene3d>
+      <a:camera prst="orthographicFront"/>
+      <a:lightRig rig="chilly" dir="t"/>
+    </dgm:scene3d>
+    <dgm:sp3d extrusionH="1700" prstMaterial="translucentPowder">
+      <a:bevelT w="25400" h="6350" prst="softRound"/>
+      <a:bevelB w="0" h="0" prst="convex"/>
+    </dgm:sp3d>
+    <dgm:txPr/>
+    <dgm:style>
+      <a:lnRef idx="0">
+        <a:scrgbClr r="0" g="0" b="0"/>
+      </a:lnRef>
+      <a:fillRef idx="1">
+        <a:scrgbClr r="0" g="0" b="0"/>
+      </a:fillRef>
+      <a:effectRef idx="0">
+        <a:scrgbClr r="0" g="0" b="0"/>
+      </a:effectRef>
+      <a:fontRef idx="minor"/>
+    </dgm:style>
+  </dgm:styleLbl>
+  <dgm:styleLbl name="parChTrans2D4">
+    <dgm:scene3d>
+      <a:camera prst="orthographicFront"/>
+      <a:lightRig rig="chilly" dir="t"/>
+    </dgm:scene3d>
+    <dgm:sp3d extrusionH="1700" prstMaterial="translucentPowder">
+      <a:bevelT w="25400" h="6350" prst="softRound"/>
+      <a:bevelB w="0" h="0" prst="convex"/>
+    </dgm:sp3d>
+    <dgm:txPr/>
+    <dgm:style>
+      <a:lnRef idx="0">
+        <a:scrgbClr r="0" g="0" b="0"/>
+      </a:lnRef>
+      <a:fillRef idx="1">
+        <a:scrgbClr r="0" g="0" b="0"/>
+      </a:fillRef>
+      <a:effectRef idx="0">
+        <a:scrgbClr r="0" g="0" b="0"/>
+      </a:effectRef>
+      <a:fontRef idx="minor"/>
+    </dgm:style>
+  </dgm:styleLbl>
+  <dgm:styleLbl name="parChTrans1D1">
+    <dgm:scene3d>
+      <a:camera prst="orthographicFront"/>
+      <a:lightRig rig="chilly" dir="t"/>
+    </dgm:scene3d>
+    <dgm:sp3d z="-40000" prstMaterial="matte"/>
+    <dgm:txPr/>
+    <dgm:style>
+      <a:lnRef idx="2">
+        <a:scrgbClr r="0" g="0" b="0"/>
+      </a:lnRef>
+      <a:fillRef idx="0">
+        <a:scrgbClr r="0" g="0" b="0"/>
+      </a:fillRef>
+      <a:effectRef idx="0">
+        <a:scrgbClr r="0" g="0" b="0"/>
+      </a:effectRef>
+      <a:fontRef idx="minor"/>
+    </dgm:style>
+  </dgm:styleLbl>
+  <dgm:styleLbl name="parChTrans1D2">
     <dgm:scene3d>
       <a:camera prst="orthographicFront"/>
       <a:lightRig rig="threePt" dir="t"/>
     </dgm:scene3d>
-    <dgm:sp3d/>
+    <dgm:sp3d z="-40000" prstMaterial="matte"/>
     <dgm:txPr/>
     <dgm:style>
-      <a:lnRef idx="0">
+      <a:lnRef idx="2">
         <a:scrgbClr r="0" g="0" b="0"/>
       </a:lnRef>
-      <a:fillRef idx="3">
+      <a:fillRef idx="0">
         <a:scrgbClr r="0" g="0" b="0"/>
       </a:fillRef>
-      <a:effectRef idx="2">
+      <a:effectRef idx="0">
+        <a:scrgbClr r="0" g="0" b="0"/>
+      </a:effectRef>
+      <a:fontRef idx="minor"/>
+    </dgm:style>
+  </dgm:styleLbl>
+  <dgm:styleLbl name="parChTrans1D3">
+    <dgm:scene3d>
+      <a:camera prst="orthographicFront"/>
+      <a:lightRig rig="chilly" dir="t"/>
+    </dgm:scene3d>
+    <dgm:sp3d z="-40000" prstMaterial="matte"/>
+    <dgm:txPr/>
+    <dgm:style>
+      <a:lnRef idx="2">
+        <a:scrgbClr r="0" g="0" b="0"/>
+      </a:lnRef>
+      <a:fillRef idx="0">
+        <a:scrgbClr r="0" g="0" b="0"/>
+      </a:fillRef>
+      <a:effectRef idx="0">
+        <a:scrgbClr r="0" g="0" b="0"/>
+      </a:effectRef>
+      <a:fontRef idx="minor"/>
+    </dgm:style>
+  </dgm:styleLbl>
+  <dgm:styleLbl name="parChTrans1D4">
+    <dgm:scene3d>
+      <a:camera prst="orthographicFront"/>
+      <a:lightRig rig="chilly" dir="t"/>
+    </dgm:scene3d>
+    <dgm:sp3d z="-40000" prstMaterial="matte"/>
+    <dgm:txPr/>
+    <dgm:style>
+      <a:lnRef idx="2">
+        <a:scrgbClr r="0" g="0" b="0"/>
+      </a:lnRef>
+      <a:fillRef idx="0">
+        <a:scrgbClr r="0" g="0" b="0"/>
+      </a:fillRef>
+      <a:effectRef idx="0">
+        <a:scrgbClr r="0" g="0" b="0"/>
+      </a:effectRef>
+      <a:fontRef idx="minor"/>
+    </dgm:style>
+  </dgm:styleLbl>
+  <dgm:styleLbl name="fgAcc1">
+    <dgm:scene3d>
+      <a:camera prst="orthographicFront"/>
+      <a:lightRig rig="chilly" dir="t"/>
+    </dgm:scene3d>
+    <dgm:sp3d z="12700" extrusionH="1700" prstMaterial="dkEdge">
+      <a:bevelT w="25400" h="6350" prst="softRound"/>
+      <a:bevelB w="0" h="0" prst="convex"/>
+    </dgm:sp3d>
+    <dgm:txPr/>
+    <dgm:style>
+      <a:lnRef idx="1">
+        <a:scrgbClr r="0" g="0" b="0"/>
+      </a:lnRef>
+      <a:fillRef idx="1">
+        <a:scrgbClr r="0" g="0" b="0"/>
+      </a:fillRef>
+      <a:effectRef idx="0">
+        <a:scrgbClr r="0" g="0" b="0"/>
+      </a:effectRef>
+      <a:fontRef idx="minor"/>
+    </dgm:style>
+  </dgm:styleLbl>
+  <dgm:styleLbl name="conFgAcc1">
+    <dgm:scene3d>
+      <a:camera prst="orthographicFront"/>
+      <a:lightRig rig="chilly" dir="t"/>
+    </dgm:scene3d>
+    <dgm:sp3d z="12700" extrusionH="1700" prstMaterial="dkEdge">
+      <a:bevelT w="25400" h="6350" prst="softRound"/>
+      <a:bevelB w="0" h="0" prst="convex"/>
+    </dgm:sp3d>
+    <dgm:txPr/>
+    <dgm:style>
+      <a:lnRef idx="1">
+        <a:scrgbClr r="0" g="0" b="0"/>
+      </a:lnRef>
+      <a:fillRef idx="1">
+        <a:scrgbClr r="0" g="0" b="0"/>
+      </a:fillRef>
+      <a:effectRef idx="0">
+        <a:scrgbClr r="0" g="0" b="0"/>
+      </a:effectRef>
+      <a:fontRef idx="minor"/>
+    </dgm:style>
+  </dgm:styleLbl>
+  <dgm:styleLbl name="alignAcc1">
+    <dgm:scene3d>
+      <a:camera prst="orthographicFront"/>
+      <a:lightRig rig="chilly" dir="t"/>
+    </dgm:scene3d>
+    <dgm:sp3d prstMaterial="dkEdge">
+      <a:bevelT w="25400" h="6350" prst="softRound"/>
+      <a:bevelB w="0" h="0" prst="convex"/>
+    </dgm:sp3d>
+    <dgm:txPr/>
+    <dgm:style>
+      <a:lnRef idx="1">
+        <a:scrgbClr r="0" g="0" b="0"/>
+      </a:lnRef>
+      <a:fillRef idx="1">
+        <a:scrgbClr r="0" g="0" b="0"/>
+      </a:fillRef>
+      <a:effectRef idx="0">
+        <a:scrgbClr r="0" g="0" b="0"/>
+      </a:effectRef>
+      <a:fontRef idx="minor"/>
+    </dgm:style>
+  </dgm:styleLbl>
+  <dgm:styleLbl name="trAlignAcc1">
+    <dgm:scene3d>
+      <a:camera prst="orthographicFront"/>
+      <a:lightRig rig="chilly" dir="t"/>
+    </dgm:scene3d>
+    <dgm:sp3d prstMaterial="dkEdge">
+      <a:bevelT w="127000" h="25400"/>
+    </dgm:sp3d>
+    <dgm:txPr/>
+    <dgm:style>
+      <a:lnRef idx="1">
+        <a:scrgbClr r="0" g="0" b="0"/>
+      </a:lnRef>
+      <a:fillRef idx="1">
+        <a:scrgbClr r="0" g="0" b="0"/>
+      </a:fillRef>
+      <a:effectRef idx="0">
         <a:scrgbClr r="0" g="0" b="0"/>
       </a:effectRef>
       <a:fontRef idx="minor">
@@ -19027,128 +19268,317 @@
       </a:fontRef>
     </dgm:style>
   </dgm:styleLbl>
-  <dgm:styleLbl name="asst4">
+  <dgm:styleLbl name="bgAcc1">
     <dgm:scene3d>
       <a:camera prst="orthographicFront"/>
-      <a:lightRig rig="threePt" dir="t"/>
+      <a:lightRig rig="chilly" dir="t"/>
     </dgm:scene3d>
-    <dgm:sp3d/>
+    <dgm:sp3d z="-12700" extrusionH="1700" prstMaterial="dkEdge">
+      <a:bevelT w="25400" h="6350" prst="softRound"/>
+      <a:bevelB w="0" h="0" prst="convex"/>
+    </dgm:sp3d>
+    <dgm:txPr/>
+    <dgm:style>
+      <a:lnRef idx="1">
+        <a:scrgbClr r="0" g="0" b="0"/>
+      </a:lnRef>
+      <a:fillRef idx="1">
+        <a:scrgbClr r="0" g="0" b="0"/>
+      </a:fillRef>
+      <a:effectRef idx="0">
+        <a:scrgbClr r="0" g="0" b="0"/>
+      </a:effectRef>
+      <a:fontRef idx="minor"/>
+    </dgm:style>
+  </dgm:styleLbl>
+  <dgm:styleLbl name="solidFgAcc1">
+    <dgm:scene3d>
+      <a:camera prst="orthographicFront"/>
+      <a:lightRig rig="chilly" dir="t"/>
+    </dgm:scene3d>
+    <dgm:sp3d z="12700" extrusionH="1700" prstMaterial="dkEdge">
+      <a:bevelT w="25400" h="6350" prst="softRound"/>
+      <a:bevelB w="0" h="0" prst="convex"/>
+    </dgm:sp3d>
+    <dgm:txPr/>
+    <dgm:style>
+      <a:lnRef idx="1">
+        <a:scrgbClr r="0" g="0" b="0"/>
+      </a:lnRef>
+      <a:fillRef idx="1">
+        <a:scrgbClr r="0" g="0" b="0"/>
+      </a:fillRef>
+      <a:effectRef idx="0">
+        <a:scrgbClr r="0" g="0" b="0"/>
+      </a:effectRef>
+      <a:fontRef idx="minor"/>
+    </dgm:style>
+  </dgm:styleLbl>
+  <dgm:styleLbl name="solidAlignAcc1">
+    <dgm:scene3d>
+      <a:camera prst="orthographicFront"/>
+      <a:lightRig rig="chilly" dir="t"/>
+    </dgm:scene3d>
+    <dgm:sp3d extrusionH="1700" prstMaterial="dkEdge">
+      <a:bevelT w="25400" h="6350" prst="softRound"/>
+      <a:bevelB w="0" h="0" prst="convex"/>
+    </dgm:sp3d>
+    <dgm:txPr/>
+    <dgm:style>
+      <a:lnRef idx="1">
+        <a:scrgbClr r="0" g="0" b="0"/>
+      </a:lnRef>
+      <a:fillRef idx="1">
+        <a:scrgbClr r="0" g="0" b="0"/>
+      </a:fillRef>
+      <a:effectRef idx="0">
+        <a:scrgbClr r="0" g="0" b="0"/>
+      </a:effectRef>
+      <a:fontRef idx="minor"/>
+    </dgm:style>
+  </dgm:styleLbl>
+  <dgm:styleLbl name="solidBgAcc1">
+    <dgm:scene3d>
+      <a:camera prst="orthographicFront"/>
+      <a:lightRig rig="chilly" dir="t"/>
+    </dgm:scene3d>
+    <dgm:sp3d z="-12700" extrusionH="1700" prstMaterial="dkEdge">
+      <a:bevelT w="25400" h="6350" prst="softRound"/>
+      <a:bevelB w="0" h="0" prst="convex"/>
+    </dgm:sp3d>
+    <dgm:txPr/>
+    <dgm:style>
+      <a:lnRef idx="1">
+        <a:scrgbClr r="0" g="0" b="0"/>
+      </a:lnRef>
+      <a:fillRef idx="1">
+        <a:scrgbClr r="0" g="0" b="0"/>
+      </a:fillRef>
+      <a:effectRef idx="0">
+        <a:scrgbClr r="0" g="0" b="0"/>
+      </a:effectRef>
+      <a:fontRef idx="minor"/>
+    </dgm:style>
+  </dgm:styleLbl>
+  <dgm:styleLbl name="fgAccFollowNode1">
+    <dgm:scene3d>
+      <a:camera prst="orthographicFront"/>
+      <a:lightRig rig="chilly" dir="t"/>
+    </dgm:scene3d>
+    <dgm:sp3d z="12700" extrusionH="1700" prstMaterial="dkEdge">
+      <a:bevelT w="25400" h="6350" prst="softRound"/>
+      <a:bevelB w="0" h="0" prst="convex"/>
+    </dgm:sp3d>
+    <dgm:txPr/>
+    <dgm:style>
+      <a:lnRef idx="1">
+        <a:scrgbClr r="0" g="0" b="0"/>
+      </a:lnRef>
+      <a:fillRef idx="1">
+        <a:scrgbClr r="0" g="0" b="0"/>
+      </a:fillRef>
+      <a:effectRef idx="0">
+        <a:scrgbClr r="0" g="0" b="0"/>
+      </a:effectRef>
+      <a:fontRef idx="minor"/>
+    </dgm:style>
+  </dgm:styleLbl>
+  <dgm:styleLbl name="alignAccFollowNode1">
+    <dgm:scene3d>
+      <a:camera prst="orthographicFront"/>
+      <a:lightRig rig="chilly" dir="t"/>
+    </dgm:scene3d>
+    <dgm:sp3d extrusionH="1700" prstMaterial="dkEdge">
+      <a:bevelT w="25400" h="6350" prst="softRound"/>
+      <a:bevelB w="0" h="0" prst="convex"/>
+    </dgm:sp3d>
+    <dgm:txPr/>
+    <dgm:style>
+      <a:lnRef idx="1">
+        <a:scrgbClr r="0" g="0" b="0"/>
+      </a:lnRef>
+      <a:fillRef idx="1">
+        <a:scrgbClr r="0" g="0" b="0"/>
+      </a:fillRef>
+      <a:effectRef idx="0">
+        <a:scrgbClr r="0" g="0" b="0"/>
+      </a:effectRef>
+      <a:fontRef idx="minor"/>
+    </dgm:style>
+  </dgm:styleLbl>
+  <dgm:styleLbl name="bgAccFollowNode1">
+    <dgm:scene3d>
+      <a:camera prst="orthographicFront"/>
+      <a:lightRig rig="chilly" dir="t"/>
+    </dgm:scene3d>
+    <dgm:sp3d z="-12700" extrusionH="1700" prstMaterial="dkEdge">
+      <a:bevelT w="25400" h="6350" prst="softRound"/>
+      <a:bevelB w="0" h="0" prst="convex"/>
+    </dgm:sp3d>
+    <dgm:txPr/>
+    <dgm:style>
+      <a:lnRef idx="1">
+        <a:scrgbClr r="0" g="0" b="0"/>
+      </a:lnRef>
+      <a:fillRef idx="1">
+        <a:scrgbClr r="0" g="0" b="0"/>
+      </a:fillRef>
+      <a:effectRef idx="0">
+        <a:scrgbClr r="0" g="0" b="0"/>
+      </a:effectRef>
+      <a:fontRef idx="minor"/>
+    </dgm:style>
+  </dgm:styleLbl>
+  <dgm:styleLbl name="fgAcc0">
+    <dgm:scene3d>
+      <a:camera prst="orthographicFront"/>
+      <a:lightRig rig="chilly" dir="t"/>
+    </dgm:scene3d>
+    <dgm:sp3d z="12700" extrusionH="1700" prstMaterial="dkEdge">
+      <a:bevelT w="25400" h="6350" prst="softRound"/>
+      <a:bevelB w="0" h="0" prst="convex"/>
+    </dgm:sp3d>
+    <dgm:txPr/>
+    <dgm:style>
+      <a:lnRef idx="1">
+        <a:scrgbClr r="0" g="0" b="0"/>
+      </a:lnRef>
+      <a:fillRef idx="1">
+        <a:scrgbClr r="0" g="0" b="0"/>
+      </a:fillRef>
+      <a:effectRef idx="0">
+        <a:scrgbClr r="0" g="0" b="0"/>
+      </a:effectRef>
+      <a:fontRef idx="minor"/>
+    </dgm:style>
+  </dgm:styleLbl>
+  <dgm:styleLbl name="fgAcc2">
+    <dgm:scene3d>
+      <a:camera prst="orthographicFront"/>
+      <a:lightRig rig="chilly" dir="t"/>
+    </dgm:scene3d>
+    <dgm:sp3d z="12700" extrusionH="1700" prstMaterial="dkEdge">
+      <a:bevelT w="25400" h="6350" prst="softRound"/>
+      <a:bevelB w="0" h="0" prst="convex"/>
+    </dgm:sp3d>
+    <dgm:txPr/>
+    <dgm:style>
+      <a:lnRef idx="1">
+        <a:scrgbClr r="0" g="0" b="0"/>
+      </a:lnRef>
+      <a:fillRef idx="1">
+        <a:scrgbClr r="0" g="0" b="0"/>
+      </a:fillRef>
+      <a:effectRef idx="0">
+        <a:scrgbClr r="0" g="0" b="0"/>
+      </a:effectRef>
+      <a:fontRef idx="minor"/>
+    </dgm:style>
+  </dgm:styleLbl>
+  <dgm:styleLbl name="fgAcc3">
+    <dgm:scene3d>
+      <a:camera prst="orthographicFront"/>
+      <a:lightRig rig="chilly" dir="t"/>
+    </dgm:scene3d>
+    <dgm:sp3d z="12700" extrusionH="1700" prstMaterial="dkEdge">
+      <a:bevelT w="25400" h="6350" prst="softRound"/>
+      <a:bevelB w="0" h="0" prst="convex"/>
+    </dgm:sp3d>
+    <dgm:txPr/>
+    <dgm:style>
+      <a:lnRef idx="1">
+        <a:scrgbClr r="0" g="0" b="0"/>
+      </a:lnRef>
+      <a:fillRef idx="1">
+        <a:scrgbClr r="0" g="0" b="0"/>
+      </a:fillRef>
+      <a:effectRef idx="0">
+        <a:scrgbClr r="0" g="0" b="0"/>
+      </a:effectRef>
+      <a:fontRef idx="minor"/>
+    </dgm:style>
+  </dgm:styleLbl>
+  <dgm:styleLbl name="fgAcc4">
+    <dgm:scene3d>
+      <a:camera prst="orthographicFront"/>
+      <a:lightRig rig="chilly" dir="t"/>
+    </dgm:scene3d>
+    <dgm:sp3d z="12700" extrusionH="1700" prstMaterial="dkEdge">
+      <a:bevelT w="25400" h="6350" prst="softRound"/>
+      <a:bevelB w="0" h="0" prst="convex"/>
+    </dgm:sp3d>
+    <dgm:txPr/>
+    <dgm:style>
+      <a:lnRef idx="1">
+        <a:scrgbClr r="0" g="0" b="0"/>
+      </a:lnRef>
+      <a:fillRef idx="1">
+        <a:scrgbClr r="0" g="0" b="0"/>
+      </a:fillRef>
+      <a:effectRef idx="0">
+        <a:scrgbClr r="0" g="0" b="0"/>
+      </a:effectRef>
+      <a:fontRef idx="minor"/>
+    </dgm:style>
+  </dgm:styleLbl>
+  <dgm:styleLbl name="bgShp">
+    <dgm:scene3d>
+      <a:camera prst="orthographicFront"/>
+      <a:lightRig rig="chilly" dir="t"/>
+    </dgm:scene3d>
+    <dgm:sp3d z="-12700" extrusionH="1700" prstMaterial="translucentPowder">
+      <a:bevelT w="25400" h="6350" prst="softRound"/>
+      <a:bevelB w="0" h="0" prst="convex"/>
+    </dgm:sp3d>
     <dgm:txPr/>
     <dgm:style>
       <a:lnRef idx="0">
         <a:scrgbClr r="0" g="0" b="0"/>
       </a:lnRef>
-      <a:fillRef idx="3">
+      <a:fillRef idx="1">
         <a:scrgbClr r="0" g="0" b="0"/>
       </a:fillRef>
-      <a:effectRef idx="2">
+      <a:effectRef idx="0">
         <a:scrgbClr r="0" g="0" b="0"/>
       </a:effectRef>
-      <a:fontRef idx="minor">
-        <a:schemeClr val="lt1"/>
-      </a:fontRef>
+      <a:fontRef idx="minor"/>
     </dgm:style>
   </dgm:styleLbl>
-  <dgm:styleLbl name="parChTrans2D1">
+  <dgm:styleLbl name="dkBgShp">
     <dgm:scene3d>
       <a:camera prst="orthographicFront"/>
-      <a:lightRig rig="threePt" dir="t"/>
+      <a:lightRig rig="chilly" dir="t"/>
     </dgm:scene3d>
-    <dgm:sp3d/>
+    <dgm:sp3d extrusionH="1700" prstMaterial="translucentPowder">
+      <a:bevelT w="25400" h="6350" prst="softRound"/>
+      <a:bevelB w="0" h="0" prst="convex"/>
+    </dgm:sp3d>
     <dgm:txPr/>
     <dgm:style>
       <a:lnRef idx="0">
         <a:scrgbClr r="0" g="0" b="0"/>
       </a:lnRef>
-      <a:fillRef idx="3">
+      <a:fillRef idx="1">
         <a:scrgbClr r="0" g="0" b="0"/>
       </a:fillRef>
-      <a:effectRef idx="2">
+      <a:effectRef idx="0">
         <a:scrgbClr r="0" g="0" b="0"/>
       </a:effectRef>
-      <a:fontRef idx="minor">
-        <a:schemeClr val="lt1"/>
-      </a:fontRef>
+      <a:fontRef idx="minor"/>
     </dgm:style>
   </dgm:styleLbl>
-  <dgm:styleLbl name="parChTrans2D2">
+  <dgm:styleLbl name="trBgShp">
     <dgm:scene3d>
       <a:camera prst="orthographicFront"/>
-      <a:lightRig rig="threePt" dir="t"/>
+      <a:lightRig rig="chilly" dir="t"/>
     </dgm:scene3d>
-    <dgm:sp3d/>
+    <dgm:sp3d z="-152400" prstMaterial="matte"/>
     <dgm:txPr/>
     <dgm:style>
       <a:lnRef idx="0">
         <a:scrgbClr r="0" g="0" b="0"/>
       </a:lnRef>
-      <a:fillRef idx="3">
-        <a:scrgbClr r="0" g="0" b="0"/>
-      </a:fillRef>
-      <a:effectRef idx="2">
-        <a:scrgbClr r="0" g="0" b="0"/>
-      </a:effectRef>
-      <a:fontRef idx="minor">
-        <a:schemeClr val="lt1"/>
-      </a:fontRef>
-    </dgm:style>
-  </dgm:styleLbl>
-  <dgm:styleLbl name="parChTrans2D3">
-    <dgm:scene3d>
-      <a:camera prst="orthographicFront"/>
-      <a:lightRig rig="threePt" dir="t"/>
-    </dgm:scene3d>
-    <dgm:sp3d/>
-    <dgm:txPr/>
-    <dgm:style>
-      <a:lnRef idx="1">
-        <a:scrgbClr r="0" g="0" b="0"/>
-      </a:lnRef>
-      <a:fillRef idx="3">
-        <a:scrgbClr r="0" g="0" b="0"/>
-      </a:fillRef>
-      <a:effectRef idx="2">
-        <a:scrgbClr r="0" g="0" b="0"/>
-      </a:effectRef>
-      <a:fontRef idx="minor">
-        <a:schemeClr val="lt1"/>
-      </a:fontRef>
-    </dgm:style>
-  </dgm:styleLbl>
-  <dgm:styleLbl name="parChTrans2D4">
-    <dgm:scene3d>
-      <a:camera prst="orthographicFront"/>
-      <a:lightRig rig="threePt" dir="t"/>
-    </dgm:scene3d>
-    <dgm:sp3d/>
-    <dgm:txPr/>
-    <dgm:style>
-      <a:lnRef idx="1">
-        <a:scrgbClr r="0" g="0" b="0"/>
-      </a:lnRef>
-      <a:fillRef idx="3">
-        <a:scrgbClr r="0" g="0" b="0"/>
-      </a:fillRef>
-      <a:effectRef idx="2">
-        <a:scrgbClr r="0" g="0" b="0"/>
-      </a:effectRef>
-      <a:fontRef idx="minor">
-        <a:schemeClr val="lt1"/>
-      </a:fontRef>
-    </dgm:style>
-  </dgm:styleLbl>
-  <dgm:styleLbl name="parChTrans1D1">
-    <dgm:scene3d>
-      <a:camera prst="orthographicFront"/>
-      <a:lightRig rig="threePt" dir="t"/>
-    </dgm:scene3d>
-    <dgm:sp3d/>
-    <dgm:txPr/>
-    <dgm:style>
-      <a:lnRef idx="1">
-        <a:scrgbClr r="0" g="0" b="0"/>
-      </a:lnRef>
-      <a:fillRef idx="0">
+      <a:fillRef idx="1">
         <a:scrgbClr r="0" g="0" b="0"/>
       </a:fillRef>
       <a:effectRef idx="0">
@@ -19157,372 +19587,15 @@
       <a:fontRef idx="minor"/>
     </dgm:style>
   </dgm:styleLbl>
-  <dgm:styleLbl name="parChTrans1D2">
+  <dgm:styleLbl name="fgShp">
     <dgm:scene3d>
       <a:camera prst="orthographicFront"/>
-      <a:lightRig rig="threePt" dir="t"/>
+      <a:lightRig rig="chilly" dir="t"/>
     </dgm:scene3d>
-    <dgm:sp3d/>
-    <dgm:txPr/>
-    <dgm:style>
-      <a:lnRef idx="1">
-        <a:scrgbClr r="0" g="0" b="0"/>
-      </a:lnRef>
-      <a:fillRef idx="0">
-        <a:scrgbClr r="0" g="0" b="0"/>
-      </a:fillRef>
-      <a:effectRef idx="0">
-        <a:scrgbClr r="0" g="0" b="0"/>
-      </a:effectRef>
-      <a:fontRef idx="minor"/>
-    </dgm:style>
-  </dgm:styleLbl>
-  <dgm:styleLbl name="parChTrans1D3">
-    <dgm:scene3d>
-      <a:camera prst="orthographicFront"/>
-      <a:lightRig rig="threePt" dir="t"/>
-    </dgm:scene3d>
-    <dgm:sp3d/>
-    <dgm:txPr/>
-    <dgm:style>
-      <a:lnRef idx="1">
-        <a:scrgbClr r="0" g="0" b="0"/>
-      </a:lnRef>
-      <a:fillRef idx="0">
-        <a:scrgbClr r="0" g="0" b="0"/>
-      </a:fillRef>
-      <a:effectRef idx="0">
-        <a:scrgbClr r="0" g="0" b="0"/>
-      </a:effectRef>
-      <a:fontRef idx="minor"/>
-    </dgm:style>
-  </dgm:styleLbl>
-  <dgm:styleLbl name="parChTrans1D4">
-    <dgm:scene3d>
-      <a:camera prst="orthographicFront"/>
-      <a:lightRig rig="threePt" dir="t"/>
-    </dgm:scene3d>
-    <dgm:sp3d/>
-    <dgm:txPr/>
-    <dgm:style>
-      <a:lnRef idx="1">
-        <a:scrgbClr r="0" g="0" b="0"/>
-      </a:lnRef>
-      <a:fillRef idx="0">
-        <a:scrgbClr r="0" g="0" b="0"/>
-      </a:fillRef>
-      <a:effectRef idx="0">
-        <a:scrgbClr r="0" g="0" b="0"/>
-      </a:effectRef>
-      <a:fontRef idx="minor"/>
-    </dgm:style>
-  </dgm:styleLbl>
-  <dgm:styleLbl name="fgAcc1">
-    <dgm:scene3d>
-      <a:camera prst="orthographicFront"/>
-      <a:lightRig rig="threePt" dir="t"/>
-    </dgm:scene3d>
-    <dgm:sp3d/>
-    <dgm:txPr/>
-    <dgm:style>
-      <a:lnRef idx="1">
-        <a:scrgbClr r="0" g="0" b="0"/>
-      </a:lnRef>
-      <a:fillRef idx="1">
-        <a:scrgbClr r="0" g="0" b="0"/>
-      </a:fillRef>
-      <a:effectRef idx="0">
-        <a:scrgbClr r="0" g="0" b="0"/>
-      </a:effectRef>
-      <a:fontRef idx="minor"/>
-    </dgm:style>
-  </dgm:styleLbl>
-  <dgm:styleLbl name="conFgAcc1">
-    <dgm:scene3d>
-      <a:camera prst="orthographicFront"/>
-      <a:lightRig rig="threePt" dir="t"/>
-    </dgm:scene3d>
-    <dgm:sp3d/>
-    <dgm:txPr/>
-    <dgm:style>
-      <a:lnRef idx="1">
-        <a:scrgbClr r="0" g="0" b="0"/>
-      </a:lnRef>
-      <a:fillRef idx="1">
-        <a:scrgbClr r="0" g="0" b="0"/>
-      </a:fillRef>
-      <a:effectRef idx="0">
-        <a:scrgbClr r="0" g="0" b="0"/>
-      </a:effectRef>
-      <a:fontRef idx="minor"/>
-    </dgm:style>
-  </dgm:styleLbl>
-  <dgm:styleLbl name="alignAcc1">
-    <dgm:scene3d>
-      <a:camera prst="orthographicFront"/>
-      <a:lightRig rig="threePt" dir="t"/>
-    </dgm:scene3d>
-    <dgm:sp3d/>
-    <dgm:txPr/>
-    <dgm:style>
-      <a:lnRef idx="1">
-        <a:scrgbClr r="0" g="0" b="0"/>
-      </a:lnRef>
-      <a:fillRef idx="1">
-        <a:scrgbClr r="0" g="0" b="0"/>
-      </a:fillRef>
-      <a:effectRef idx="0">
-        <a:scrgbClr r="0" g="0" b="0"/>
-      </a:effectRef>
-      <a:fontRef idx="minor"/>
-    </dgm:style>
-  </dgm:styleLbl>
-  <dgm:styleLbl name="trAlignAcc1">
-    <dgm:scene3d>
-      <a:camera prst="orthographicFront"/>
-      <a:lightRig rig="threePt" dir="t"/>
-    </dgm:scene3d>
-    <dgm:sp3d/>
-    <dgm:txPr/>
-    <dgm:style>
-      <a:lnRef idx="1">
-        <a:scrgbClr r="0" g="0" b="0"/>
-      </a:lnRef>
-      <a:fillRef idx="1">
-        <a:scrgbClr r="0" g="0" b="0"/>
-      </a:fillRef>
-      <a:effectRef idx="0">
-        <a:scrgbClr r="0" g="0" b="0"/>
-      </a:effectRef>
-      <a:fontRef idx="minor"/>
-    </dgm:style>
-  </dgm:styleLbl>
-  <dgm:styleLbl name="bgAcc1">
-    <dgm:scene3d>
-      <a:camera prst="orthographicFront"/>
-      <a:lightRig rig="threePt" dir="t"/>
-    </dgm:scene3d>
-    <dgm:sp3d/>
-    <dgm:txPr/>
-    <dgm:style>
-      <a:lnRef idx="1">
-        <a:scrgbClr r="0" g="0" b="0"/>
-      </a:lnRef>
-      <a:fillRef idx="1">
-        <a:scrgbClr r="0" g="0" b="0"/>
-      </a:fillRef>
-      <a:effectRef idx="0">
-        <a:scrgbClr r="0" g="0" b="0"/>
-      </a:effectRef>
-      <a:fontRef idx="minor"/>
-    </dgm:style>
-  </dgm:styleLbl>
-  <dgm:styleLbl name="solidFgAcc1">
-    <dgm:scene3d>
-      <a:camera prst="orthographicFront"/>
-      <a:lightRig rig="threePt" dir="t"/>
-    </dgm:scene3d>
-    <dgm:sp3d/>
-    <dgm:txPr/>
-    <dgm:style>
-      <a:lnRef idx="1">
-        <a:scrgbClr r="0" g="0" b="0"/>
-      </a:lnRef>
-      <a:fillRef idx="1">
-        <a:scrgbClr r="0" g="0" b="0"/>
-      </a:fillRef>
-      <a:effectRef idx="0">
-        <a:scrgbClr r="0" g="0" b="0"/>
-      </a:effectRef>
-      <a:fontRef idx="minor"/>
-    </dgm:style>
-  </dgm:styleLbl>
-  <dgm:styleLbl name="solidAlignAcc1">
-    <dgm:scene3d>
-      <a:camera prst="orthographicFront"/>
-      <a:lightRig rig="threePt" dir="t"/>
-    </dgm:scene3d>
-    <dgm:sp3d/>
-    <dgm:txPr/>
-    <dgm:style>
-      <a:lnRef idx="1">
-        <a:scrgbClr r="0" g="0" b="0"/>
-      </a:lnRef>
-      <a:fillRef idx="1">
-        <a:scrgbClr r="0" g="0" b="0"/>
-      </a:fillRef>
-      <a:effectRef idx="0">
-        <a:scrgbClr r="0" g="0" b="0"/>
-      </a:effectRef>
-      <a:fontRef idx="minor"/>
-    </dgm:style>
-  </dgm:styleLbl>
-  <dgm:styleLbl name="solidBgAcc1">
-    <dgm:scene3d>
-      <a:camera prst="orthographicFront"/>
-      <a:lightRig rig="threePt" dir="t"/>
-    </dgm:scene3d>
-    <dgm:sp3d/>
-    <dgm:txPr/>
-    <dgm:style>
-      <a:lnRef idx="1">
-        <a:scrgbClr r="0" g="0" b="0"/>
-      </a:lnRef>
-      <a:fillRef idx="1">
-        <a:scrgbClr r="0" g="0" b="0"/>
-      </a:fillRef>
-      <a:effectRef idx="0">
-        <a:scrgbClr r="0" g="0" b="0"/>
-      </a:effectRef>
-      <a:fontRef idx="minor"/>
-    </dgm:style>
-  </dgm:styleLbl>
-  <dgm:styleLbl name="fgAccFollowNode1">
-    <dgm:scene3d>
-      <a:camera prst="orthographicFront"/>
-      <a:lightRig rig="threePt" dir="t"/>
-    </dgm:scene3d>
-    <dgm:sp3d/>
-    <dgm:txPr/>
-    <dgm:style>
-      <a:lnRef idx="1">
-        <a:scrgbClr r="0" g="0" b="0"/>
-      </a:lnRef>
-      <a:fillRef idx="1">
-        <a:scrgbClr r="0" g="0" b="0"/>
-      </a:fillRef>
-      <a:effectRef idx="0">
-        <a:scrgbClr r="0" g="0" b="0"/>
-      </a:effectRef>
-      <a:fontRef idx="minor"/>
-    </dgm:style>
-  </dgm:styleLbl>
-  <dgm:styleLbl name="alignAccFollowNode1">
-    <dgm:scene3d>
-      <a:camera prst="orthographicFront"/>
-      <a:lightRig rig="threePt" dir="t"/>
-    </dgm:scene3d>
-    <dgm:sp3d/>
-    <dgm:txPr/>
-    <dgm:style>
-      <a:lnRef idx="1">
-        <a:scrgbClr r="0" g="0" b="0"/>
-      </a:lnRef>
-      <a:fillRef idx="1">
-        <a:scrgbClr r="0" g="0" b="0"/>
-      </a:fillRef>
-      <a:effectRef idx="0">
-        <a:scrgbClr r="0" g="0" b="0"/>
-      </a:effectRef>
-      <a:fontRef idx="minor"/>
-    </dgm:style>
-  </dgm:styleLbl>
-  <dgm:styleLbl name="bgAccFollowNode1">
-    <dgm:scene3d>
-      <a:camera prst="orthographicFront"/>
-      <a:lightRig rig="threePt" dir="t"/>
-    </dgm:scene3d>
-    <dgm:sp3d/>
-    <dgm:txPr/>
-    <dgm:style>
-      <a:lnRef idx="1">
-        <a:scrgbClr r="0" g="0" b="0"/>
-      </a:lnRef>
-      <a:fillRef idx="1">
-        <a:scrgbClr r="0" g="0" b="0"/>
-      </a:fillRef>
-      <a:effectRef idx="0">
-        <a:scrgbClr r="0" g="0" b="0"/>
-      </a:effectRef>
-      <a:fontRef idx="minor"/>
-    </dgm:style>
-  </dgm:styleLbl>
-  <dgm:styleLbl name="fgAcc0">
-    <dgm:scene3d>
-      <a:camera prst="orthographicFront"/>
-      <a:lightRig rig="threePt" dir="t"/>
-    </dgm:scene3d>
-    <dgm:sp3d/>
-    <dgm:txPr/>
-    <dgm:style>
-      <a:lnRef idx="1">
-        <a:scrgbClr r="0" g="0" b="0"/>
-      </a:lnRef>
-      <a:fillRef idx="1">
-        <a:scrgbClr r="0" g="0" b="0"/>
-      </a:fillRef>
-      <a:effectRef idx="0">
-        <a:scrgbClr r="0" g="0" b="0"/>
-      </a:effectRef>
-      <a:fontRef idx="minor"/>
-    </dgm:style>
-  </dgm:styleLbl>
-  <dgm:styleLbl name="fgAcc2">
-    <dgm:scene3d>
-      <a:camera prst="orthographicFront"/>
-      <a:lightRig rig="threePt" dir="t"/>
-    </dgm:scene3d>
-    <dgm:sp3d/>
-    <dgm:txPr/>
-    <dgm:style>
-      <a:lnRef idx="1">
-        <a:scrgbClr r="0" g="0" b="0"/>
-      </a:lnRef>
-      <a:fillRef idx="1">
-        <a:scrgbClr r="0" g="0" b="0"/>
-      </a:fillRef>
-      <a:effectRef idx="0">
-        <a:scrgbClr r="0" g="0" b="0"/>
-      </a:effectRef>
-      <a:fontRef idx="minor"/>
-    </dgm:style>
-  </dgm:styleLbl>
-  <dgm:styleLbl name="fgAcc3">
-    <dgm:scene3d>
-      <a:camera prst="orthographicFront"/>
-      <a:lightRig rig="threePt" dir="t"/>
-    </dgm:scene3d>
-    <dgm:sp3d/>
-    <dgm:txPr/>
-    <dgm:style>
-      <a:lnRef idx="1">
-        <a:scrgbClr r="0" g="0" b="0"/>
-      </a:lnRef>
-      <a:fillRef idx="1">
-        <a:scrgbClr r="0" g="0" b="0"/>
-      </a:fillRef>
-      <a:effectRef idx="0">
-        <a:scrgbClr r="0" g="0" b="0"/>
-      </a:effectRef>
-      <a:fontRef idx="minor"/>
-    </dgm:style>
-  </dgm:styleLbl>
-  <dgm:styleLbl name="fgAcc4">
-    <dgm:scene3d>
-      <a:camera prst="orthographicFront"/>
-      <a:lightRig rig="threePt" dir="t"/>
-    </dgm:scene3d>
-    <dgm:sp3d/>
-    <dgm:txPr/>
-    <dgm:style>
-      <a:lnRef idx="1">
-        <a:scrgbClr r="0" g="0" b="0"/>
-      </a:lnRef>
-      <a:fillRef idx="1">
-        <a:scrgbClr r="0" g="0" b="0"/>
-      </a:fillRef>
-      <a:effectRef idx="0">
-        <a:scrgbClr r="0" g="0" b="0"/>
-      </a:effectRef>
-      <a:fontRef idx="minor"/>
-    </dgm:style>
-  </dgm:styleLbl>
-  <dgm:styleLbl name="bgShp">
-    <dgm:scene3d>
-      <a:camera prst="orthographicFront"/>
-      <a:lightRig rig="threePt" dir="t"/>
-    </dgm:scene3d>
-    <dgm:sp3d/>
+    <dgm:sp3d z="12700" extrusionH="1700" prstMaterial="translucentPowder">
+      <a:bevelT w="25400" h="6350" prst="softRound"/>
+      <a:bevelB w="0" h="0" prst="convex"/>
+    </dgm:sp3d>
     <dgm:txPr/>
     <dgm:style>
       <a:lnRef idx="0">
@@ -19531,67 +19604,7 @@
       <a:fillRef idx="1">
         <a:scrgbClr r="0" g="0" b="0"/>
       </a:fillRef>
-      <a:effectRef idx="2">
-        <a:scrgbClr r="0" g="0" b="0"/>
-      </a:effectRef>
-      <a:fontRef idx="minor"/>
-    </dgm:style>
-  </dgm:styleLbl>
-  <dgm:styleLbl name="dkBgShp">
-    <dgm:scene3d>
-      <a:camera prst="orthographicFront"/>
-      <a:lightRig rig="threePt" dir="t"/>
-    </dgm:scene3d>
-    <dgm:sp3d/>
-    <dgm:txPr/>
-    <dgm:style>
-      <a:lnRef idx="0">
-        <a:scrgbClr r="0" g="0" b="0"/>
-      </a:lnRef>
-      <a:fillRef idx="1">
-        <a:scrgbClr r="0" g="0" b="0"/>
-      </a:fillRef>
-      <a:effectRef idx="2">
-        <a:scrgbClr r="0" g="0" b="0"/>
-      </a:effectRef>
-      <a:fontRef idx="minor"/>
-    </dgm:style>
-  </dgm:styleLbl>
-  <dgm:styleLbl name="trBgShp">
-    <dgm:scene3d>
-      <a:camera prst="orthographicFront"/>
-      <a:lightRig rig="threePt" dir="t"/>
-    </dgm:scene3d>
-    <dgm:sp3d/>
-    <dgm:txPr/>
-    <dgm:style>
-      <a:lnRef idx="0">
-        <a:scrgbClr r="0" g="0" b="0"/>
-      </a:lnRef>
-      <a:fillRef idx="1">
-        <a:scrgbClr r="0" g="0" b="0"/>
-      </a:fillRef>
       <a:effectRef idx="0">
-        <a:scrgbClr r="0" g="0" b="0"/>
-      </a:effectRef>
-      <a:fontRef idx="minor"/>
-    </dgm:style>
-  </dgm:styleLbl>
-  <dgm:styleLbl name="fgShp">
-    <dgm:scene3d>
-      <a:camera prst="orthographicFront"/>
-      <a:lightRig rig="threePt" dir="t"/>
-    </dgm:scene3d>
-    <dgm:sp3d/>
-    <dgm:txPr/>
-    <dgm:style>
-      <a:lnRef idx="0">
-        <a:scrgbClr r="0" g="0" b="0"/>
-      </a:lnRef>
-      <a:fillRef idx="3">
-        <a:scrgbClr r="0" g="0" b="0"/>
-      </a:fillRef>
-      <a:effectRef idx="2">
         <a:scrgbClr r="0" g="0" b="0"/>
       </a:effectRef>
       <a:fontRef idx="minor"/>
@@ -24873,7 +24886,7 @@
             <a:fld id="{55EB12AB-0481-4543-9448-EE76391C4D02}" type="datetimeFigureOut">
               <a:rPr lang="zh-TW" altLang="en-US" smtClean="0"/>
               <a:pPr/>
-              <a:t>2024/6/5</a:t>
+              <a:t>2025/6/17</a:t>
             </a:fld>
             <a:endParaRPr lang="zh-TW" altLang="en-US"/>
           </a:p>
@@ -36136,13 +36149,13 @@
         </p:spPr>
         <p:style>
           <a:lnRef idx="0">
-            <a:schemeClr val="accent2"/>
+            <a:schemeClr val="accent5"/>
           </a:lnRef>
           <a:fillRef idx="3">
-            <a:schemeClr val="accent2"/>
+            <a:schemeClr val="accent5"/>
           </a:fillRef>
           <a:effectRef idx="3">
-            <a:schemeClr val="accent2"/>
+            <a:schemeClr val="accent5"/>
           </a:effectRef>
           <a:fontRef idx="minor">
             <a:schemeClr val="lt1"/>
@@ -36552,13 +36565,13 @@
         </p:spPr>
         <p:style>
           <a:lnRef idx="0">
-            <a:schemeClr val="accent2"/>
+            <a:schemeClr val="accent5"/>
           </a:lnRef>
           <a:fillRef idx="3">
-            <a:schemeClr val="accent2"/>
+            <a:schemeClr val="accent5"/>
           </a:fillRef>
           <a:effectRef idx="3">
-            <a:schemeClr val="accent2"/>
+            <a:schemeClr val="accent5"/>
           </a:effectRef>
           <a:fontRef idx="minor">
             <a:schemeClr val="lt1"/>
@@ -36770,13 +36783,13 @@
         </p:spPr>
         <p:style>
           <a:lnRef idx="0">
-            <a:schemeClr val="accent2"/>
+            <a:schemeClr val="accent5"/>
           </a:lnRef>
           <a:fillRef idx="3">
-            <a:schemeClr val="accent2"/>
+            <a:schemeClr val="accent5"/>
           </a:fillRef>
           <a:effectRef idx="3">
-            <a:schemeClr val="accent2"/>
+            <a:schemeClr val="accent5"/>
           </a:effectRef>
           <a:fontRef idx="minor">
             <a:schemeClr val="lt1"/>
@@ -36873,7 +36886,14 @@
             <p:ph idx="1"/>
           </p:nvPr>
         </p:nvSpPr>
-        <p:spPr/>
+        <p:spPr>
+          <a:solidFill>
+            <a:schemeClr val="accent3">
+              <a:lumMod val="20000"/>
+              <a:lumOff val="80000"/>
+            </a:schemeClr>
+          </a:solidFill>
+        </p:spPr>
         <p:txBody>
           <a:bodyPr/>
           <a:lstStyle/>
@@ -37312,7 +37332,14 @@
             <p:ph idx="1"/>
           </p:nvPr>
         </p:nvSpPr>
-        <p:spPr/>
+        <p:spPr>
+          <a:solidFill>
+            <a:schemeClr val="accent3">
+              <a:lumMod val="20000"/>
+              <a:lumOff val="80000"/>
+            </a:schemeClr>
+          </a:solidFill>
+        </p:spPr>
         <p:txBody>
           <a:bodyPr/>
           <a:lstStyle/>
@@ -37748,7 +37775,14 @@
             <p:ph idx="1"/>
           </p:nvPr>
         </p:nvSpPr>
-        <p:spPr/>
+        <p:spPr>
+          <a:solidFill>
+            <a:schemeClr val="accent3">
+              <a:lumMod val="20000"/>
+              <a:lumOff val="80000"/>
+            </a:schemeClr>
+          </a:solidFill>
+        </p:spPr>
         <p:txBody>
           <a:bodyPr/>
           <a:lstStyle/>
@@ -40927,19 +40961,7 @@
           <a:p>
             <a:r>
               <a:rPr lang="zh-TW" altLang="en-US" dirty="0" smtClean="0"/>
-              <a:t>互相</a:t>
-            </a:r>
-            <a:r>
-              <a:rPr lang="zh-TW" altLang="en-US" dirty="0" smtClean="0"/>
-              <a:t>比較後，</a:t>
-            </a:r>
-            <a:r>
-              <a:rPr lang="zh-TW" altLang="en-US" dirty="0" smtClean="0"/>
-              <a:t>下面</a:t>
-            </a:r>
-            <a:r>
-              <a:rPr lang="zh-TW" altLang="en-US" dirty="0" smtClean="0"/>
-              <a:t>這段程式碼更一目了然。</a:t>
+              <a:t>互相比較後，下面這段程式碼更一目了然。</a:t>
             </a:r>
             <a:endParaRPr lang="zh-TW" altLang="en-US" dirty="0"/>
           </a:p>
@@ -41416,14 +41438,62 @@
         <p:spPr/>
         <p:txBody>
           <a:bodyPr>
-            <a:normAutofit fontScale="85000" lnSpcReduction="20000"/>
+            <a:normAutofit fontScale="77500" lnSpcReduction="20000"/>
           </a:bodyPr>
           <a:lstStyle/>
           <a:p>
             <a:pPr lvl="0"/>
             <a:r>
+              <a:rPr lang="zh-TW" altLang="en-US" dirty="0" smtClean="0">
+                <a:solidFill>
+                  <a:srgbClr val="C00000"/>
+                </a:solidFill>
+              </a:rPr>
+              <a:t>「</a:t>
+            </a:r>
+            <a:r>
+              <a:rPr lang="zh-TW" altLang="zh-TW" dirty="0" smtClean="0">
+                <a:solidFill>
+                  <a:srgbClr val="C00000"/>
+                </a:solidFill>
+              </a:rPr>
+              <a:t>自己</a:t>
+            </a:r>
+            <a:r>
+              <a:rPr lang="zh-TW" altLang="zh-TW" dirty="0">
+                <a:solidFill>
+                  <a:srgbClr val="C00000"/>
+                </a:solidFill>
+              </a:rPr>
+              <a:t>開發</a:t>
+            </a:r>
+            <a:r>
+              <a:rPr lang="zh-TW" altLang="zh-TW" dirty="0" smtClean="0">
+                <a:solidFill>
+                  <a:srgbClr val="C00000"/>
+                </a:solidFill>
+              </a:rPr>
+              <a:t>商品</a:t>
+            </a:r>
+            <a:r>
+              <a:rPr lang="zh-TW" altLang="en-US" dirty="0" smtClean="0">
+                <a:solidFill>
+                  <a:srgbClr val="C00000"/>
+                </a:solidFill>
+              </a:rPr>
+              <a:t>」</a:t>
+            </a:r>
+            <a:r>
+              <a:rPr lang="zh-TW" altLang="en-US" dirty="0" smtClean="0"/>
+              <a:t>類型：</a:t>
+            </a:r>
+            <a:r>
+              <a:rPr lang="zh-TW" altLang="zh-TW" dirty="0" smtClean="0"/>
+              <a:t>將</a:t>
+            </a:r>
+            <a:r>
               <a:rPr lang="zh-TW" altLang="zh-TW" dirty="0"/>
-              <a:t>自己開發商品，將商品盒裝上架，公司自己負責行銷產品，譬如賣作業系統的微軟、賣防毒軟體的趨勢科技</a:t>
+              <a:t>商品盒裝上架，公司自己負責行銷產品，譬如賣作業系統的微軟、賣防毒軟體的趨勢科技</a:t>
             </a:r>
             <a:r>
               <a:rPr lang="zh-TW" altLang="zh-TW" dirty="0" smtClean="0"/>
@@ -41533,7 +41603,43 @@
             <a:pPr lvl="0"/>
             <a:r>
               <a:rPr lang="zh-TW" altLang="zh-TW" dirty="0"/>
-              <a:t>另一類型的公司則是軟體代工，這類型的公司若能取得</a:t>
+              <a:t>另一類型的公司則</a:t>
+            </a:r>
+            <a:r>
+              <a:rPr lang="zh-TW" altLang="zh-TW" dirty="0" smtClean="0"/>
+              <a:t>是</a:t>
+            </a:r>
+            <a:r>
+              <a:rPr lang="zh-TW" altLang="en-US" dirty="0">
+                <a:solidFill>
+                  <a:srgbClr val="C00000"/>
+                </a:solidFill>
+              </a:rPr>
+              <a:t>「</a:t>
+            </a:r>
+            <a:r>
+              <a:rPr lang="zh-TW" altLang="zh-TW" dirty="0" smtClean="0">
+                <a:solidFill>
+                  <a:srgbClr val="C00000"/>
+                </a:solidFill>
+              </a:rPr>
+              <a:t>軟體代工</a:t>
+            </a:r>
+            <a:r>
+              <a:rPr lang="zh-TW" altLang="en-US" dirty="0" smtClean="0">
+                <a:solidFill>
+                  <a:srgbClr val="C00000"/>
+                </a:solidFill>
+              </a:rPr>
+              <a:t>」</a:t>
+            </a:r>
+            <a:r>
+              <a:rPr lang="zh-TW" altLang="zh-TW" dirty="0" smtClean="0"/>
+              <a:t>，</a:t>
+            </a:r>
+            <a:r>
+              <a:rPr lang="zh-TW" altLang="zh-TW" dirty="0"/>
+              <a:t>這類型的公司若能取得</a:t>
             </a:r>
             <a:r>
               <a:rPr lang="en-US" altLang="zh-TW" dirty="0"/>
@@ -41547,12 +41653,12 @@
               <a:rPr lang="zh-TW" altLang="zh-TW" dirty="0" smtClean="0"/>
               <a:t>。</a:t>
             </a:r>
-            <a:endParaRPr lang="en-US" altLang="zh-TW" smtClean="0"/>
+            <a:endParaRPr lang="en-US" altLang="zh-TW" dirty="0" smtClean="0"/>
           </a:p>
           <a:p>
             <a:pPr lvl="0"/>
             <a:r>
-              <a:rPr lang="zh-TW" altLang="zh-TW" smtClean="0"/>
+              <a:rPr lang="zh-TW" altLang="zh-TW" dirty="0" smtClean="0"/>
               <a:t>譬如</a:t>
             </a:r>
             <a:r>
@@ -42712,7 +42818,12 @@
             <p:ph idx="1"/>
           </p:nvPr>
         </p:nvSpPr>
-        <p:spPr/>
+        <p:spPr>
+          <a:xfrm>
+            <a:off x="457200" y="1660399"/>
+            <a:ext cx="8435280" cy="2934224"/>
+          </a:xfrm>
+        </p:spPr>
         <p:txBody>
           <a:bodyPr>
             <a:normAutofit fontScale="92500"/>
@@ -42742,6 +42853,7 @@
             <a:endParaRPr lang="en-US" altLang="zh-TW" dirty="0" smtClean="0"/>
           </a:p>
           <a:p>
+            <a:pPr algn="l"/>
             <a:r>
               <a:rPr lang="zh-TW" altLang="en-US" dirty="0"/>
               <a:t>在</a:t>
@@ -44953,34 +45065,34 @@
         </p:nvSpPr>
         <p:spPr>
           <a:xfrm>
-            <a:off x="457200" y="1660399"/>
-            <a:ext cx="4339825" cy="2934224"/>
+            <a:off x="457199" y="1660399"/>
+            <a:ext cx="4609855" cy="2934224"/>
           </a:xfrm>
         </p:spPr>
         <p:txBody>
           <a:bodyPr>
-            <a:normAutofit lnSpcReduction="10000"/>
+            <a:noAutofit/>
           </a:bodyPr>
           <a:lstStyle/>
           <a:p>
             <a:r>
-              <a:rPr lang="zh-TW" altLang="en-US" dirty="0"/>
+              <a:rPr lang="zh-TW" altLang="en-US" sz="2600" dirty="0"/>
               <a:t>除了表示階層之外，也可以在類別圖中表示類別之間的關係，像是一個「已註冊讀者」可以借閱</a:t>
             </a:r>
             <a:r>
-              <a:rPr lang="en-US" altLang="zh-TW" dirty="0"/>
+              <a:rPr lang="en-US" altLang="zh-TW" sz="2600" dirty="0"/>
               <a:t>10</a:t>
             </a:r>
             <a:r>
-              <a:rPr lang="zh-TW" altLang="en-US" dirty="0"/>
+              <a:rPr lang="zh-TW" altLang="en-US" sz="2600" dirty="0"/>
               <a:t>本「書籍」這樣的數量關係。</a:t>
             </a:r>
           </a:p>
           <a:p>
-            <a:endParaRPr lang="zh-TW" altLang="en-US" dirty="0"/>
-          </a:p>
-          <a:p>
-            <a:endParaRPr lang="zh-TW" altLang="en-US" dirty="0"/>
+            <a:endParaRPr lang="zh-TW" altLang="en-US" sz="2600" dirty="0"/>
+          </a:p>
+          <a:p>
+            <a:endParaRPr lang="zh-TW" altLang="en-US" sz="2600" dirty="0"/>
           </a:p>
         </p:txBody>
       </p:sp>
@@ -44992,7 +45104,7 @@
         </p:nvSpPr>
         <p:spPr>
           <a:xfrm>
-            <a:off x="5313562" y="3948291"/>
+            <a:off x="5678559" y="3876895"/>
             <a:ext cx="2723823" cy="369332"/>
           </a:xfrm>
           <a:prstGeom prst="rect">
@@ -45062,7 +45174,7 @@
         </p:blipFill>
         <p:spPr bwMode="auto">
           <a:xfrm>
-            <a:off x="5247075" y="1660398"/>
+            <a:off x="5562110" y="1581640"/>
             <a:ext cx="2956723" cy="2177173"/>
           </a:xfrm>
           <a:prstGeom prst="rect">
@@ -46433,7 +46545,12 @@
             <p:ph idx="1"/>
           </p:nvPr>
         </p:nvSpPr>
-        <p:spPr/>
+        <p:spPr>
+          <a:xfrm>
+            <a:off x="457200" y="1491854"/>
+            <a:ext cx="8229600" cy="3102769"/>
+          </a:xfrm>
+        </p:spPr>
         <p:txBody>
           <a:bodyPr/>
           <a:lstStyle/>
@@ -46455,12 +46572,20 @@
               <a:t>為負數的情況之下還遞迴呼叫，並且在螢幕上顯示出訊息，告訴使用者</a:t>
             </a:r>
             <a:r>
-              <a:rPr lang="en-US" altLang="zh-TW" sz="2400" i="1" dirty="0"/>
+              <a:rPr lang="en-US" altLang="zh-TW" sz="2400" i="1" dirty="0" smtClean="0"/>
               <a:t>n</a:t>
             </a:r>
             <a:r>
+              <a:rPr lang="zh-TW" altLang="en-US" sz="2400" i="1" dirty="0" smtClean="0"/>
+              <a:t> </a:t>
+            </a:r>
+            <a:r>
+              <a:rPr lang="zh-TW" altLang="en-US" sz="2400" dirty="0" smtClean="0"/>
+              <a:t>的</a:t>
+            </a:r>
+            <a:r>
               <a:rPr lang="zh-TW" altLang="en-US" sz="2400" dirty="0"/>
-              <a:t>的值應該要大於</a:t>
+              <a:t>值應該要大於</a:t>
             </a:r>
             <a:r>
               <a:rPr lang="en-US" altLang="zh-TW" sz="2400" dirty="0"/>
@@ -46495,7 +46620,7 @@
         </p:blipFill>
         <p:spPr bwMode="auto">
           <a:xfrm>
-            <a:off x="2878408" y="3021800"/>
+            <a:off x="2880264" y="2939132"/>
             <a:ext cx="3386832" cy="2062888"/>
           </a:xfrm>
           <a:prstGeom prst="rect">
@@ -47782,27 +47907,7 @@
           <a:p>
             <a:r>
               <a:rPr lang="zh-TW" altLang="en-US" dirty="0" smtClean="0"/>
-              <a:t>有些寫程式的技巧</a:t>
-            </a:r>
-            <a:r>
-              <a:rPr lang="zh-TW" altLang="en-US" dirty="0" smtClean="0"/>
-              <a:t>是需要靠智慧去學習</a:t>
-            </a:r>
-            <a:r>
-              <a:rPr lang="zh-TW" altLang="en-US" dirty="0" smtClean="0"/>
-              <a:t>，有些</a:t>
-            </a:r>
-            <a:r>
-              <a:rPr lang="zh-TW" altLang="en-US" dirty="0" smtClean="0"/>
-              <a:t>制式的</a:t>
-            </a:r>
-            <a:r>
-              <a:rPr lang="zh-TW" altLang="en-US" dirty="0" smtClean="0"/>
-              <a:t>項目可以</a:t>
-            </a:r>
-            <a:r>
-              <a:rPr lang="zh-TW" altLang="en-US" dirty="0" smtClean="0"/>
-              <a:t>靠</a:t>
+              <a:t>有些寫程式的技巧是需要靠智慧去學習，有些制式的項目可以靠</a:t>
             </a:r>
             <a:r>
               <a:rPr lang="zh-TW" altLang="en-US" dirty="0" smtClean="0">
@@ -48105,15 +48210,7 @@
           <a:p>
             <a:r>
               <a:rPr lang="zh-TW" altLang="en-US" dirty="0" smtClean="0"/>
-              <a:t>平常寫小程式，可能是看了作業規範之後，信手拈來就開始進行程式碼撰寫</a:t>
-            </a:r>
-            <a:r>
-              <a:rPr lang="zh-TW" altLang="en-US" dirty="0" smtClean="0"/>
-              <a:t>。當</a:t>
-            </a:r>
-            <a:r>
-              <a:rPr lang="zh-TW" altLang="en-US" dirty="0" smtClean="0"/>
-              <a:t>進行較大型的程式開發時，就無法如此隨心所欲。</a:t>
+              <a:t>平常寫小程式，可能是看了作業規範之後，信手拈來就開始進行程式碼撰寫。當進行較大型的程式開發時，就無法如此隨心所欲。</a:t>
             </a:r>
             <a:endParaRPr lang="en-US" altLang="zh-TW" dirty="0" smtClean="0"/>
           </a:p>
@@ -48438,11 +48535,7 @@
           <a:p>
             <a:r>
               <a:rPr lang="zh-TW" altLang="en-US" dirty="0" smtClean="0"/>
-              <a:t>上述主要問題</a:t>
-            </a:r>
-            <a:r>
-              <a:rPr lang="zh-TW" altLang="en-US" dirty="0" smtClean="0"/>
-              <a:t>在於發掘可能性風險的時間點太晚。</a:t>
+              <a:t>上述主要問題在於發掘可能性風險的時間點太晚。</a:t>
             </a:r>
             <a:endParaRPr lang="zh-TW" altLang="en-US" dirty="0"/>
           </a:p>
@@ -50772,13 +50865,13 @@
           <p:nvPr>
             <p:extLst>
               <p:ext uri="{D42A27DB-BD31-4B8C-83A1-F6EECF244321}">
-                <p14:modId xmlns:p14="http://schemas.microsoft.com/office/powerpoint/2010/main" val="204863666"/>
+                <p14:modId xmlns:p14="http://schemas.microsoft.com/office/powerpoint/2010/main" val="3379846621"/>
               </p:ext>
             </p:extLst>
           </p:nvPr>
         </p:nvGraphicFramePr>
         <p:xfrm>
-          <a:off x="1348936" y="3381840"/>
+          <a:off x="1916705" y="3394838"/>
           <a:ext cx="6513385" cy="1557754"/>
         </p:xfrm>
         <a:graphic>
@@ -51020,7 +51113,7 @@
           <p:nvPr>
             <p:extLst>
               <p:ext uri="{D42A27DB-BD31-4B8C-83A1-F6EECF244321}">
-                <p14:modId xmlns:p14="http://schemas.microsoft.com/office/powerpoint/2010/main" val="1357270624"/>
+                <p14:modId xmlns:p14="http://schemas.microsoft.com/office/powerpoint/2010/main" val="754219954"/>
               </p:ext>
             </p:extLst>
           </p:nvPr>
@@ -52336,22 +52429,14 @@
           <a:p>
             <a:r>
               <a:rPr lang="zh-TW" altLang="en-US" dirty="0" smtClean="0"/>
-              <a:t>移動時必須一次只能動一個金屬片，並且所有的過程中，不論金屬片暫套在哪個木柱上，都得遵循下面的金屬片直徑得比在上面的金屬片直徑大的原則</a:t>
-            </a:r>
+              <a:t>移動時必須一次只能動一個金屬片，並且所有的過程中，不論金屬片暫套在哪個木柱上，都得遵循下面的金屬片直徑得比在上面的金屬片直徑大的原則。</a:t>
+            </a:r>
+            <a:endParaRPr lang="en-US" altLang="zh-TW" dirty="0" smtClean="0"/>
+          </a:p>
+          <a:p>
             <a:r>
               <a:rPr lang="zh-TW" altLang="en-US" dirty="0" smtClean="0"/>
-              <a:t>。</a:t>
-            </a:r>
-            <a:endParaRPr lang="en-US" altLang="zh-TW" dirty="0" smtClean="0"/>
-          </a:p>
-          <a:p>
-            <a:r>
-              <a:rPr lang="zh-TW" altLang="en-US" dirty="0" smtClean="0"/>
-              <a:t>直到</a:t>
-            </a:r>
-            <a:r>
-              <a:rPr lang="zh-TW" altLang="en-US" dirty="0" smtClean="0"/>
-              <a:t>僧侶們把</a:t>
+              <a:t>直到僧侶們把</a:t>
             </a:r>
             <a:r>
               <a:rPr lang="en-US" altLang="zh-TW" dirty="0" smtClean="0"/>
@@ -52708,6 +52793,61 @@
           <a:effectLst/>
         </p:spPr>
       </p:pic>
+      <p:sp>
+        <p:nvSpPr>
+          <p:cNvPr id="5" name="矩形 4"/>
+          <p:cNvSpPr/>
+          <p:nvPr/>
+        </p:nvSpPr>
+        <p:spPr>
+          <a:xfrm>
+            <a:off x="2906815" y="4650716"/>
+            <a:ext cx="3877985" cy="369332"/>
+          </a:xfrm>
+          <a:prstGeom prst="rect">
+            <a:avLst/>
+          </a:prstGeom>
+        </p:spPr>
+        <p:style>
+          <a:lnRef idx="0">
+            <a:schemeClr val="accent1"/>
+          </a:lnRef>
+          <a:fillRef idx="3">
+            <a:schemeClr val="accent1"/>
+          </a:fillRef>
+          <a:effectRef idx="3">
+            <a:schemeClr val="accent1"/>
+          </a:effectRef>
+          <a:fontRef idx="minor">
+            <a:schemeClr val="lt1"/>
+          </a:fontRef>
+        </p:style>
+        <p:txBody>
+          <a:bodyPr>
+            <a:spAutoFit/>
+          </a:bodyPr>
+          <a:lstStyle/>
+          <a:p>
+            <a:r>
+              <a:rPr lang="zh-TW" altLang="en-US" b="1" dirty="0">
+                <a:solidFill>
+                  <a:schemeClr val="bg1"/>
+                </a:solidFill>
+                <a:latin typeface="微軟正黑體" pitchFamily="34" charset="-120"/>
+                <a:ea typeface="微軟正黑體" pitchFamily="34" charset="-120"/>
+              </a:rPr>
+              <a:t>針對同一功能，兩種可能的系統架構</a:t>
+            </a:r>
+            <a:endParaRPr lang="zh-TW" altLang="en-US" b="1" dirty="0">
+              <a:solidFill>
+                <a:schemeClr val="bg1"/>
+              </a:solidFill>
+              <a:latin typeface="微軟正黑體" pitchFamily="34" charset="-120"/>
+              <a:ea typeface="微軟正黑體" pitchFamily="34" charset="-120"/>
+            </a:endParaRPr>
+          </a:p>
+        </p:txBody>
+      </p:sp>
     </p:spTree>
   </p:cSld>
   <p:clrMapOvr>
@@ -53844,26 +53984,14 @@
           <a:p>
             <a:r>
               <a:rPr lang="zh-TW" altLang="en-US" dirty="0" smtClean="0"/>
-              <a:t>這樣的方式適合應用在當系統的完成風貌還不夠清楚</a:t>
-            </a:r>
+              <a:t>這樣的方式適合應用在當系統的完成風貌還不夠清楚時，或者系統的規格隨著發展需求可能不停改變時。</a:t>
+            </a:r>
+            <a:endParaRPr lang="en-US" altLang="zh-TW" dirty="0" smtClean="0"/>
+          </a:p>
+          <a:p>
             <a:r>
               <a:rPr lang="zh-TW" altLang="en-US" dirty="0" smtClean="0"/>
-              <a:t>時，或者</a:t>
-            </a:r>
-            <a:r>
-              <a:rPr lang="zh-TW" altLang="en-US" dirty="0" smtClean="0"/>
-              <a:t>系統的規格隨著發展需求可能不停改變時。</a:t>
-            </a:r>
-            <a:endParaRPr lang="en-US" altLang="zh-TW" dirty="0" smtClean="0"/>
-          </a:p>
-          <a:p>
-            <a:r>
-              <a:rPr lang="zh-TW" altLang="en-US" dirty="0" smtClean="0"/>
-              <a:t>由於不能在一開始就清楚架設整個</a:t>
-            </a:r>
-            <a:r>
-              <a:rPr lang="zh-TW" altLang="en-US" dirty="0" smtClean="0"/>
-              <a:t>骨幹，因此</a:t>
+              <a:t>由於不能在一開始就清楚架設整個骨幹，因此</a:t>
             </a:r>
             <a:r>
               <a:rPr lang="zh-TW" altLang="en-US" dirty="0"/>
@@ -54758,11 +54886,7 @@
             </a:r>
             <a:r>
               <a:rPr lang="en-US" altLang="zh-TW" dirty="0" smtClean="0"/>
-              <a:t>(readability</a:t>
-            </a:r>
-            <a:r>
-              <a:rPr lang="en-US" altLang="zh-TW" dirty="0" smtClean="0"/>
-              <a:t>)</a:t>
+              <a:t>(readability)</a:t>
             </a:r>
             <a:r>
               <a:rPr lang="zh-TW" altLang="en-US" dirty="0" smtClean="0"/>
@@ -54773,31 +54897,7 @@
           <a:p>
             <a:r>
               <a:rPr lang="zh-TW" altLang="en-US" dirty="0" smtClean="0"/>
-              <a:t>不僅</a:t>
-            </a:r>
-            <a:r>
-              <a:rPr lang="zh-TW" altLang="en-US" dirty="0" smtClean="0"/>
-              <a:t>是讓</a:t>
-            </a:r>
-            <a:r>
-              <a:rPr lang="zh-TW" altLang="en-US" dirty="0" smtClean="0"/>
-              <a:t>自己之後</a:t>
-            </a:r>
-            <a:r>
-              <a:rPr lang="zh-TW" altLang="en-US" dirty="0" smtClean="0"/>
-              <a:t>還能夠理解</a:t>
-            </a:r>
-            <a:r>
-              <a:rPr lang="zh-TW" altLang="en-US" dirty="0" smtClean="0"/>
-              <a:t>程式碼，</a:t>
-            </a:r>
-            <a:r>
-              <a:rPr lang="zh-TW" altLang="en-US" dirty="0" smtClean="0"/>
-              <a:t>同時也要能讓</a:t>
-            </a:r>
-            <a:r>
-              <a:rPr lang="zh-TW" altLang="en-US" dirty="0" smtClean="0"/>
-              <a:t>他人</a:t>
+              <a:t>不僅是讓自己之後還能夠理解程式碼，同時也要能讓他人</a:t>
             </a:r>
             <a:r>
               <a:rPr lang="zh-TW" altLang="en-US" dirty="0"/>
@@ -54805,11 +54905,7 @@
             </a:r>
             <a:r>
               <a:rPr lang="zh-TW" altLang="en-US" dirty="0" smtClean="0"/>
-              <a:t>了解</a:t>
-            </a:r>
-            <a:r>
-              <a:rPr lang="zh-TW" altLang="en-US" dirty="0" smtClean="0"/>
-              <a:t>自己寫的程式碼。</a:t>
+              <a:t>了解自己寫的程式碼。</a:t>
             </a:r>
             <a:endParaRPr lang="en-US" altLang="zh-TW" dirty="0" smtClean="0"/>
           </a:p>
@@ -55879,7 +55975,14 @@
             <p:ph idx="1"/>
           </p:nvPr>
         </p:nvSpPr>
-        <p:spPr/>
+        <p:spPr>
+          <a:solidFill>
+            <a:schemeClr val="accent3">
+              <a:lumMod val="20000"/>
+              <a:lumOff val="80000"/>
+            </a:schemeClr>
+          </a:solidFill>
+        </p:spPr>
         <p:txBody>
           <a:bodyPr/>
           <a:lstStyle/>
